--- a/for Prof Law.pptx
+++ b/for Prof Law.pptx
@@ -7,11 +7,15 @@
   <p:sldIdLst>
     <p:sldId id="256" r:id="rId2"/>
     <p:sldId id="268" r:id="rId3"/>
-    <p:sldId id="259" r:id="rId4"/>
-    <p:sldId id="260" r:id="rId5"/>
-    <p:sldId id="269" r:id="rId6"/>
-    <p:sldId id="271" r:id="rId7"/>
-    <p:sldId id="272" r:id="rId8"/>
+    <p:sldId id="273" r:id="rId4"/>
+    <p:sldId id="259" r:id="rId5"/>
+    <p:sldId id="260" r:id="rId6"/>
+    <p:sldId id="275" r:id="rId7"/>
+    <p:sldId id="276" r:id="rId8"/>
+    <p:sldId id="277" r:id="rId9"/>
+    <p:sldId id="257" r:id="rId10"/>
+    <p:sldId id="258" r:id="rId11"/>
+    <p:sldId id="278" r:id="rId12"/>
   </p:sldIdLst>
   <p:sldSz cx="12192000" cy="6858000"/>
   <p:notesSz cx="6858000" cy="9144000"/>
@@ -130,1056 +134,6 @@
 </p:cmAuthorLst>
 </file>
 
-<file path=ppt/charts/chart1.xml><?xml version="1.0" encoding="utf-8"?>
-<c:chartSpace xmlns:c="http://schemas.openxmlformats.org/drawingml/2006/chart" xmlns:a="http://schemas.openxmlformats.org/drawingml/2006/main" xmlns:r="http://schemas.openxmlformats.org/officeDocument/2006/relationships" xmlns:c16r2="http://schemas.microsoft.com/office/drawing/2015/06/chart">
-  <c:date1904 val="0"/>
-  <c:lang val="en-US"/>
-  <c:roundedCorners val="0"/>
-  <mc:AlternateContent xmlns:mc="http://schemas.openxmlformats.org/markup-compatibility/2006">
-    <mc:Choice xmlns:c14="http://schemas.microsoft.com/office/drawing/2007/8/2/chart" Requires="c14">
-      <c14:style val="102"/>
-    </mc:Choice>
-    <mc:Fallback>
-      <c:style val="2"/>
-    </mc:Fallback>
-  </mc:AlternateContent>
-  <c:chart>
-    <c:autoTitleDeleted val="1"/>
-    <c:plotArea>
-      <c:layout>
-        <c:manualLayout>
-          <c:layoutTarget val="inner"/>
-          <c:xMode val="edge"/>
-          <c:yMode val="edge"/>
-          <c:x val="0.14611955693230616"/>
-          <c:y val="4.6967967294051075E-2"/>
-          <c:w val="0.81297496362177513"/>
-          <c:h val="0.777138034325635"/>
-        </c:manualLayout>
-      </c:layout>
-      <c:scatterChart>
-        <c:scatterStyle val="lineMarker"/>
-        <c:varyColors val="0"/>
-        <c:ser>
-          <c:idx val="3"/>
-          <c:order val="0"/>
-          <c:tx>
-            <c:strRef>
-              <c:f>'[H^MO2^MM data and picture.xlsx]Rate_Comparison_AR'!$P$45</c:f>
-              <c:strCache>
-                <c:ptCount val="1"/>
-                <c:pt idx="0">
-                  <c:v>updated Bates 2001</c:v>
-                </c:pt>
-              </c:strCache>
-            </c:strRef>
-          </c:tx>
-          <c:spPr>
-            <a:ln w="28575">
-              <a:noFill/>
-            </a:ln>
-          </c:spPr>
-          <c:marker>
-            <c:symbol val="circle"/>
-            <c:size val="7"/>
-            <c:spPr>
-              <a:solidFill>
-                <a:srgbClr val="7030A0"/>
-              </a:solidFill>
-              <a:ln>
-                <a:solidFill>
-                  <a:srgbClr val="7030A0"/>
-                </a:solidFill>
-              </a:ln>
-            </c:spPr>
-          </c:marker>
-          <c:xVal>
-            <c:numRef>
-              <c:f>'[H^MO2^MM data and picture.xlsx]Rate_Comparison_AR'!$B$46:$B$79</c:f>
-              <c:numCache>
-                <c:formatCode>General</c:formatCode>
-                <c:ptCount val="34"/>
-                <c:pt idx="0">
-                  <c:v>10.1</c:v>
-                </c:pt>
-                <c:pt idx="1">
-                  <c:v>26.4</c:v>
-                </c:pt>
-                <c:pt idx="2">
-                  <c:v>11.3</c:v>
-                </c:pt>
-                <c:pt idx="3">
-                  <c:v>24.1</c:v>
-                </c:pt>
-                <c:pt idx="4">
-                  <c:v>31.7</c:v>
-                </c:pt>
-                <c:pt idx="5">
-                  <c:v>67.5</c:v>
-                </c:pt>
-                <c:pt idx="6">
-                  <c:v>32.700000000000003</c:v>
-                </c:pt>
-                <c:pt idx="7">
-                  <c:v>66</c:v>
-                </c:pt>
-                <c:pt idx="8">
-                  <c:v>127</c:v>
-                </c:pt>
-                <c:pt idx="9">
-                  <c:v>33.200000000000003</c:v>
-                </c:pt>
-                <c:pt idx="10">
-                  <c:v>23.4</c:v>
-                </c:pt>
-                <c:pt idx="11">
-                  <c:v>91.4</c:v>
-                </c:pt>
-                <c:pt idx="12">
-                  <c:v>24.6</c:v>
-                </c:pt>
-                <c:pt idx="13">
-                  <c:v>99</c:v>
-                </c:pt>
-                <c:pt idx="14">
-                  <c:v>92.2</c:v>
-                </c:pt>
-                <c:pt idx="15">
-                  <c:v>92.6</c:v>
-                </c:pt>
-                <c:pt idx="16">
-                  <c:v>130</c:v>
-                </c:pt>
-                <c:pt idx="17">
-                  <c:v>11.2</c:v>
-                </c:pt>
-                <c:pt idx="18">
-                  <c:v>151</c:v>
-                </c:pt>
-                <c:pt idx="19">
-                  <c:v>26.8</c:v>
-                </c:pt>
-                <c:pt idx="20">
-                  <c:v>25.3</c:v>
-                </c:pt>
-                <c:pt idx="21">
-                  <c:v>152</c:v>
-                </c:pt>
-                <c:pt idx="22">
-                  <c:v>93.5</c:v>
-                </c:pt>
-                <c:pt idx="23">
-                  <c:v>67</c:v>
-                </c:pt>
-                <c:pt idx="24">
-                  <c:v>92.6</c:v>
-                </c:pt>
-                <c:pt idx="25">
-                  <c:v>150</c:v>
-                </c:pt>
-                <c:pt idx="26">
-                  <c:v>35.700000000000003</c:v>
-                </c:pt>
-                <c:pt idx="27">
-                  <c:v>34.200000000000003</c:v>
-                </c:pt>
-                <c:pt idx="28">
-                  <c:v>73.7</c:v>
-                </c:pt>
-                <c:pt idx="29">
-                  <c:v>40.4</c:v>
-                </c:pt>
-                <c:pt idx="30">
-                  <c:v>148</c:v>
-                </c:pt>
-                <c:pt idx="31">
-                  <c:v>38.5</c:v>
-                </c:pt>
-                <c:pt idx="32">
-                  <c:v>147</c:v>
-                </c:pt>
-                <c:pt idx="33">
-                  <c:v>38.700000000000003</c:v>
-                </c:pt>
-              </c:numCache>
-            </c:numRef>
-          </c:xVal>
-          <c:yVal>
-            <c:numRef>
-              <c:f>'[H^MO2^MM data and picture.xlsx]Rate_Comparison_AR'!$P$46:$P$79</c:f>
-              <c:numCache>
-                <c:formatCode>0.00E+00</c:formatCode>
-                <c:ptCount val="34"/>
-                <c:pt idx="0">
-                  <c:v>-0.15781860353071581</c:v>
-                </c:pt>
-                <c:pt idx="1">
-                  <c:v>-0.17311385701388368</c:v>
-                </c:pt>
-                <c:pt idx="2">
-                  <c:v>-6.5438742488408058E-2</c:v>
-                </c:pt>
-                <c:pt idx="3">
-                  <c:v>-5.9606240220339828E-2</c:v>
-                </c:pt>
-                <c:pt idx="4">
-                  <c:v>-5.6853860061866206E-2</c:v>
-                </c:pt>
-                <c:pt idx="5">
-                  <c:v>-0.17899181387958316</c:v>
-                </c:pt>
-                <c:pt idx="6">
-                  <c:v>-0.10962271981765816</c:v>
-                </c:pt>
-                <c:pt idx="7">
-                  <c:v>-1.2134326330439113E-2</c:v>
-                </c:pt>
-                <c:pt idx="8">
-                  <c:v>0.21516606191616322</c:v>
-                </c:pt>
-                <c:pt idx="9">
-                  <c:v>-9.1618803859148987E-2</c:v>
-                </c:pt>
-                <c:pt idx="10">
-                  <c:v>-7.3940630798157686E-2</c:v>
-                </c:pt>
-                <c:pt idx="11">
-                  <c:v>-2.6913130277205051E-2</c:v>
-                </c:pt>
-                <c:pt idx="12">
-                  <c:v>-6.5109031217964283E-2</c:v>
-                </c:pt>
-                <c:pt idx="13">
-                  <c:v>8.3945987633416586E-3</c:v>
-                </c:pt>
-                <c:pt idx="14">
-                  <c:v>-3.6803673776590953E-2</c:v>
-                </c:pt>
-                <c:pt idx="15">
-                  <c:v>-0.11726648222358133</c:v>
-                </c:pt>
-                <c:pt idx="16">
-                  <c:v>-6.9550200068308726E-2</c:v>
-                </c:pt>
-                <c:pt idx="17">
-                  <c:v>-3.4443381084236944E-3</c:v>
-                </c:pt>
-                <c:pt idx="18">
-                  <c:v>0.1342976015892694</c:v>
-                </c:pt>
-                <c:pt idx="19">
-                  <c:v>-1.6623023243103659E-2</c:v>
-                </c:pt>
-                <c:pt idx="20">
-                  <c:v>-3.6807352879648141E-2</c:v>
-                </c:pt>
-                <c:pt idx="21">
-                  <c:v>4.612762206083363E-2</c:v>
-                </c:pt>
-                <c:pt idx="22">
-                  <c:v>-9.8576328596402113E-2</c:v>
-                </c:pt>
-                <c:pt idx="23">
-                  <c:v>-5.4177653795303538E-2</c:v>
-                </c:pt>
-                <c:pt idx="24">
-                  <c:v>4.6766835429829555E-3</c:v>
-                </c:pt>
-                <c:pt idx="25">
-                  <c:v>-0.15516741094892822</c:v>
-                </c:pt>
-                <c:pt idx="26">
-                  <c:v>-3.3240422533956357E-2</c:v>
-                </c:pt>
-                <c:pt idx="27">
-                  <c:v>-5.9897713378870003E-2</c:v>
-                </c:pt>
-                <c:pt idx="28">
-                  <c:v>-1.9390739484454855E-2</c:v>
-                </c:pt>
-                <c:pt idx="29">
-                  <c:v>-0.1195381690910358</c:v>
-                </c:pt>
-                <c:pt idx="30">
-                  <c:v>-0.16146886560710652</c:v>
-                </c:pt>
-                <c:pt idx="31">
-                  <c:v>-2.4587171889458928E-3</c:v>
-                </c:pt>
-                <c:pt idx="32">
-                  <c:v>-0.15973843139916594</c:v>
-                </c:pt>
-                <c:pt idx="33">
-                  <c:v>1.0627580796040538E-2</c:v>
-                </c:pt>
-              </c:numCache>
-            </c:numRef>
-          </c:yVal>
-          <c:smooth val="0"/>
-          <c:extLst>
-            <c:ext xmlns:c16="http://schemas.microsoft.com/office/drawing/2014/chart" uri="{C3380CC4-5D6E-409C-BE32-E72D297353CC}">
-              <c16:uniqueId val="{00000000-7E06-46A8-B2BA-2144B295953B}"/>
-            </c:ext>
-          </c:extLst>
-        </c:ser>
-        <c:ser>
-          <c:idx val="1"/>
-          <c:order val="1"/>
-          <c:tx>
-            <c:strRef>
-              <c:f>'[H^MO2^MM data and picture.xlsx]Rate_Comparison_AR'!$P$15</c:f>
-              <c:strCache>
-                <c:ptCount val="1"/>
-                <c:pt idx="0">
-                  <c:v>updated Davidson 1996</c:v>
-                </c:pt>
-              </c:strCache>
-            </c:strRef>
-          </c:tx>
-          <c:spPr>
-            <a:ln w="28575">
-              <a:noFill/>
-            </a:ln>
-          </c:spPr>
-          <c:marker>
-            <c:spPr>
-              <a:solidFill>
-                <a:srgbClr val="FF0000"/>
-              </a:solidFill>
-              <a:ln>
-                <a:solidFill>
-                  <a:srgbClr val="FF0000"/>
-                </a:solidFill>
-              </a:ln>
-            </c:spPr>
-          </c:marker>
-          <c:xVal>
-            <c:numRef>
-              <c:f>'[H^MO2^MM data and picture.xlsx]Rate_Comparison_AR'!$B$16:$B$28</c:f>
-              <c:numCache>
-                <c:formatCode>General</c:formatCode>
-                <c:ptCount val="13"/>
-                <c:pt idx="0">
-                  <c:v>64.3</c:v>
-                </c:pt>
-                <c:pt idx="1">
-                  <c:v>69.3</c:v>
-                </c:pt>
-                <c:pt idx="2">
-                  <c:v>57.2</c:v>
-                </c:pt>
-                <c:pt idx="3">
-                  <c:v>54.8</c:v>
-                </c:pt>
-                <c:pt idx="4">
-                  <c:v>67.400000000000006</c:v>
-                </c:pt>
-                <c:pt idx="5">
-                  <c:v>70.099999999999994</c:v>
-                </c:pt>
-                <c:pt idx="6">
-                  <c:v>68.3</c:v>
-                </c:pt>
-                <c:pt idx="7">
-                  <c:v>70.099999999999994</c:v>
-                </c:pt>
-                <c:pt idx="8">
-                  <c:v>68.2</c:v>
-                </c:pt>
-                <c:pt idx="9">
-                  <c:v>65.8</c:v>
-                </c:pt>
-                <c:pt idx="10">
-                  <c:v>118.9</c:v>
-                </c:pt>
-                <c:pt idx="11">
-                  <c:v>113.9</c:v>
-                </c:pt>
-                <c:pt idx="12">
-                  <c:v>112</c:v>
-                </c:pt>
-              </c:numCache>
-            </c:numRef>
-          </c:xVal>
-          <c:yVal>
-            <c:numRef>
-              <c:f>'[H^MO2^MM data and picture.xlsx]Rate_Comparison_AR'!$P$16:$P$28</c:f>
-              <c:numCache>
-                <c:formatCode>0.00E+00</c:formatCode>
-                <c:ptCount val="13"/>
-                <c:pt idx="0">
-                  <c:v>0.22068655276726074</c:v>
-                </c:pt>
-                <c:pt idx="1">
-                  <c:v>0.3650310246263897</c:v>
-                </c:pt>
-                <c:pt idx="2">
-                  <c:v>0.2734212641416226</c:v>
-                </c:pt>
-                <c:pt idx="3">
-                  <c:v>0.21845015375534582</c:v>
-                </c:pt>
-                <c:pt idx="4">
-                  <c:v>0.13425819874767944</c:v>
-                </c:pt>
-                <c:pt idx="5">
-                  <c:v>0.14953424601001952</c:v>
-                </c:pt>
-                <c:pt idx="6">
-                  <c:v>0.16178262389475173</c:v>
-                </c:pt>
-                <c:pt idx="7">
-                  <c:v>0.26223899914184701</c:v>
-                </c:pt>
-                <c:pt idx="8">
-                  <c:v>0.40701227680661178</c:v>
-                </c:pt>
-                <c:pt idx="9">
-                  <c:v>0.49305950973419183</c:v>
-                </c:pt>
-                <c:pt idx="10">
-                  <c:v>6.4191026269589752E-2</c:v>
-                </c:pt>
-                <c:pt idx="11">
-                  <c:v>3.9066363188263196E-2</c:v>
-                </c:pt>
-                <c:pt idx="12">
-                  <c:v>0.10845447928862779</c:v>
-                </c:pt>
-              </c:numCache>
-            </c:numRef>
-          </c:yVal>
-          <c:smooth val="0"/>
-          <c:extLst>
-            <c:ext xmlns:c16="http://schemas.microsoft.com/office/drawing/2014/chart" uri="{C3380CC4-5D6E-409C-BE32-E72D297353CC}">
-              <c16:uniqueId val="{00000001-7E06-46A8-B2BA-2144B295953B}"/>
-            </c:ext>
-          </c:extLst>
-        </c:ser>
-        <c:ser>
-          <c:idx val="0"/>
-          <c:order val="2"/>
-          <c:tx>
-            <c:strRef>
-              <c:f>'[H^MO2^MM data and picture.xlsx]Rate_Comparison_AR'!$F$1</c:f>
-              <c:strCache>
-                <c:ptCount val="1"/>
-                <c:pt idx="0">
-                  <c:v>Shao 2018</c:v>
-                </c:pt>
-              </c:strCache>
-            </c:strRef>
-          </c:tx>
-          <c:spPr>
-            <a:ln w="28575">
-              <a:noFill/>
-            </a:ln>
-          </c:spPr>
-          <c:xVal>
-            <c:numRef>
-              <c:f>'[H^MO2^MM data and picture.xlsx]Rate_Comparison_AR'!$B$3:$B$13</c:f>
-              <c:numCache>
-                <c:formatCode>General</c:formatCode>
-                <c:ptCount val="11"/>
-                <c:pt idx="0">
-                  <c:v>32.5</c:v>
-                </c:pt>
-                <c:pt idx="1">
-                  <c:v>32.4</c:v>
-                </c:pt>
-                <c:pt idx="2">
-                  <c:v>31</c:v>
-                </c:pt>
-                <c:pt idx="3">
-                  <c:v>31.5</c:v>
-                </c:pt>
-                <c:pt idx="4">
-                  <c:v>16.8</c:v>
-                </c:pt>
-                <c:pt idx="5">
-                  <c:v>16.899999999999999</c:v>
-                </c:pt>
-                <c:pt idx="6">
-                  <c:v>16.899999999999999</c:v>
-                </c:pt>
-                <c:pt idx="7">
-                  <c:v>17.399999999999999</c:v>
-                </c:pt>
-                <c:pt idx="8">
-                  <c:v>16.8</c:v>
-                </c:pt>
-                <c:pt idx="9">
-                  <c:v>17.100000000000001</c:v>
-                </c:pt>
-                <c:pt idx="10">
-                  <c:v>28.7</c:v>
-                </c:pt>
-              </c:numCache>
-            </c:numRef>
-          </c:xVal>
-          <c:yVal>
-            <c:numRef>
-              <c:f>'[H^MO2^MM data and picture.xlsx]Rate_Comparison_AR'!$P$3:$P$13</c:f>
-              <c:numCache>
-                <c:formatCode>0.00E+00</c:formatCode>
-                <c:ptCount val="11"/>
-                <c:pt idx="0">
-                  <c:v>9.0162953610799429E-2</c:v>
-                </c:pt>
-                <c:pt idx="1">
-                  <c:v>8.7557533637822094E-2</c:v>
-                </c:pt>
-                <c:pt idx="2">
-                  <c:v>8.2789340067469352E-2</c:v>
-                </c:pt>
-                <c:pt idx="3">
-                  <c:v>5.8557051992443959E-2</c:v>
-                </c:pt>
-                <c:pt idx="4">
-                  <c:v>5.7457483688287604E-2</c:v>
-                </c:pt>
-                <c:pt idx="5">
-                  <c:v>5.7765810606666176E-2</c:v>
-                </c:pt>
-                <c:pt idx="6">
-                  <c:v>1.3980751461764441E-2</c:v>
-                </c:pt>
-                <c:pt idx="7">
-                  <c:v>2.3049664637511773E-2</c:v>
-                </c:pt>
-                <c:pt idx="8">
-                  <c:v>1.9063385121775106E-2</c:v>
-                </c:pt>
-                <c:pt idx="9">
-                  <c:v>2.2010921769858315E-2</c:v>
-                </c:pt>
-                <c:pt idx="10">
-                  <c:v>5.1670624246062377E-2</c:v>
-                </c:pt>
-              </c:numCache>
-            </c:numRef>
-          </c:yVal>
-          <c:smooth val="0"/>
-          <c:extLst>
-            <c:ext xmlns:c16="http://schemas.microsoft.com/office/drawing/2014/chart" uri="{C3380CC4-5D6E-409C-BE32-E72D297353CC}">
-              <c16:uniqueId val="{00000002-7E06-46A8-B2BA-2144B295953B}"/>
-            </c:ext>
-          </c:extLst>
-        </c:ser>
-        <c:ser>
-          <c:idx val="2"/>
-          <c:order val="3"/>
-          <c:tx>
-            <c:strRef>
-              <c:f>'[H^MO2^MM data and picture.xlsx]Rate_Comparison_AR'!$F$29</c:f>
-              <c:strCache>
-                <c:ptCount val="1"/>
-                <c:pt idx="0">
-                  <c:v>Choudhary 2019</c:v>
-                </c:pt>
-              </c:strCache>
-            </c:strRef>
-          </c:tx>
-          <c:spPr>
-            <a:ln w="28575">
-              <a:noFill/>
-            </a:ln>
-          </c:spPr>
-          <c:marker>
-            <c:spPr>
-              <a:solidFill>
-                <a:schemeClr val="accent6"/>
-              </a:solidFill>
-              <a:ln>
-                <a:solidFill>
-                  <a:schemeClr val="accent6"/>
-                </a:solidFill>
-              </a:ln>
-            </c:spPr>
-          </c:marker>
-          <c:xVal>
-            <c:numRef>
-              <c:f>'[H^MO2^MM data and picture.xlsx]Rate_Comparison_AR'!$B$31:$B$43</c:f>
-              <c:numCache>
-                <c:formatCode>General</c:formatCode>
-                <c:ptCount val="13"/>
-                <c:pt idx="0">
-                  <c:v>16.18</c:v>
-                </c:pt>
-                <c:pt idx="1">
-                  <c:v>15.84</c:v>
-                </c:pt>
-                <c:pt idx="2">
-                  <c:v>14.75</c:v>
-                </c:pt>
-                <c:pt idx="3">
-                  <c:v>16.2</c:v>
-                </c:pt>
-                <c:pt idx="4">
-                  <c:v>11.78</c:v>
-                </c:pt>
-                <c:pt idx="5">
-                  <c:v>12.8</c:v>
-                </c:pt>
-                <c:pt idx="6">
-                  <c:v>12.4</c:v>
-                </c:pt>
-                <c:pt idx="7">
-                  <c:v>12.97</c:v>
-                </c:pt>
-                <c:pt idx="8">
-                  <c:v>13.71</c:v>
-                </c:pt>
-                <c:pt idx="9">
-                  <c:v>13.66</c:v>
-                </c:pt>
-                <c:pt idx="10">
-                  <c:v>14.01</c:v>
-                </c:pt>
-                <c:pt idx="11">
-                  <c:v>14.41</c:v>
-                </c:pt>
-                <c:pt idx="12">
-                  <c:v>14.68</c:v>
-                </c:pt>
-              </c:numCache>
-            </c:numRef>
-          </c:xVal>
-          <c:yVal>
-            <c:numRef>
-              <c:f>'[H^MO2^MM data and picture.xlsx]Rate_Comparison_AR'!$P$31:$P$43</c:f>
-              <c:numCache>
-                <c:formatCode>0.00E+00</c:formatCode>
-                <c:ptCount val="13"/>
-                <c:pt idx="0">
-                  <c:v>-0.10627413065846465</c:v>
-                </c:pt>
-                <c:pt idx="1">
-                  <c:v>-8.6696547990167919E-2</c:v>
-                </c:pt>
-                <c:pt idx="2">
-                  <c:v>-7.4453483797687153E-2</c:v>
-                </c:pt>
-                <c:pt idx="3">
-                  <c:v>-8.1167224479398586E-2</c:v>
-                </c:pt>
-                <c:pt idx="4">
-                  <c:v>-9.1334935681035859E-2</c:v>
-                </c:pt>
-                <c:pt idx="5">
-                  <c:v>-6.9994531414652908E-2</c:v>
-                </c:pt>
-                <c:pt idx="6">
-                  <c:v>-6.7677999860658172E-2</c:v>
-                </c:pt>
-                <c:pt idx="7">
-                  <c:v>-5.9576139562185729E-2</c:v>
-                </c:pt>
-                <c:pt idx="8">
-                  <c:v>-0.1483798355131235</c:v>
-                </c:pt>
-                <c:pt idx="9">
-                  <c:v>-9.9926491180631044E-2</c:v>
-                </c:pt>
-                <c:pt idx="10">
-                  <c:v>-0.12808201570276556</c:v>
-                </c:pt>
-                <c:pt idx="11">
-                  <c:v>-6.0144806746552704E-2</c:v>
-                </c:pt>
-                <c:pt idx="12">
-                  <c:v>-9.1453019591327386E-2</c:v>
-                </c:pt>
-              </c:numCache>
-            </c:numRef>
-          </c:yVal>
-          <c:smooth val="0"/>
-          <c:extLst>
-            <c:ext xmlns:c16="http://schemas.microsoft.com/office/drawing/2014/chart" uri="{C3380CC4-5D6E-409C-BE32-E72D297353CC}">
-              <c16:uniqueId val="{00000003-7E06-46A8-B2BA-2144B295953B}"/>
-            </c:ext>
-          </c:extLst>
-        </c:ser>
-        <c:dLbls>
-          <c:showLegendKey val="0"/>
-          <c:showVal val="0"/>
-          <c:showCatName val="0"/>
-          <c:showSerName val="0"/>
-          <c:showPercent val="0"/>
-          <c:showBubbleSize val="0"/>
-        </c:dLbls>
-        <c:axId val="275444864"/>
-        <c:axId val="275446784"/>
-      </c:scatterChart>
-      <c:valAx>
-        <c:axId val="275444864"/>
-        <c:scaling>
-          <c:orientation val="minMax"/>
-          <c:max val="160"/>
-          <c:min val="0"/>
-        </c:scaling>
-        <c:delete val="0"/>
-        <c:axPos val="b"/>
-        <c:majorGridlines>
-          <c:spPr>
-            <a:ln w="12700" cap="flat" cmpd="sng" algn="ctr">
-              <a:solidFill>
-                <a:schemeClr val="tx1">
-                  <a:lumMod val="15000"/>
-                  <a:lumOff val="85000"/>
-                </a:schemeClr>
-              </a:solidFill>
-              <a:prstDash val="sysDash"/>
-              <a:round/>
-            </a:ln>
-            <a:effectLst/>
-          </c:spPr>
-        </c:majorGridlines>
-        <c:title>
-          <c:tx>
-            <c:rich>
-              <a:bodyPr rot="0" spcFirstLastPara="1" vertOverflow="ellipsis" vert="horz" wrap="square" anchor="ctr" anchorCtr="1"/>
-              <a:lstStyle/>
-              <a:p>
-                <a:pPr>
-                  <a:defRPr sz="2000" b="1" i="0" u="none" strike="noStrike" kern="1200" baseline="0">
-                    <a:solidFill>
-                      <a:sysClr val="windowText" lastClr="000000"/>
-                    </a:solidFill>
-                    <a:latin typeface="Times New Roman" panose="02020603050405020304" pitchFamily="18" charset="0"/>
-                    <a:ea typeface="+mn-ea"/>
-                    <a:cs typeface="Times New Roman" panose="02020603050405020304" pitchFamily="18" charset="0"/>
-                  </a:defRPr>
-                </a:pPr>
-                <a:r>
-                  <a:rPr lang="en-US" sz="2000" b="1">
-                    <a:solidFill>
-                      <a:sysClr val="windowText" lastClr="000000"/>
-                    </a:solidFill>
-                    <a:latin typeface="Times New Roman" panose="02020603050405020304" pitchFamily="18" charset="0"/>
-                    <a:cs typeface="Times New Roman" panose="02020603050405020304" pitchFamily="18" charset="0"/>
-                  </a:rPr>
-                  <a:t>Pressure(atm)</a:t>
-                </a:r>
-              </a:p>
-            </c:rich>
-          </c:tx>
-          <c:layout>
-            <c:manualLayout>
-              <c:xMode val="edge"/>
-              <c:yMode val="edge"/>
-              <c:x val="0.44167062504566351"/>
-              <c:y val="0.90157841207349076"/>
-            </c:manualLayout>
-          </c:layout>
-          <c:overlay val="0"/>
-          <c:spPr>
-            <a:noFill/>
-            <a:ln>
-              <a:noFill/>
-            </a:ln>
-            <a:effectLst/>
-          </c:spPr>
-        </c:title>
-        <c:numFmt formatCode="General" sourceLinked="1"/>
-        <c:majorTickMark val="in"/>
-        <c:minorTickMark val="none"/>
-        <c:tickLblPos val="nextTo"/>
-        <c:spPr>
-          <a:noFill/>
-          <a:ln w="9525" cap="flat" cmpd="sng" algn="ctr">
-            <a:solidFill>
-              <a:schemeClr val="tx1"/>
-            </a:solidFill>
-            <a:round/>
-          </a:ln>
-          <a:effectLst/>
-        </c:spPr>
-        <c:txPr>
-          <a:bodyPr rot="-60000000" spcFirstLastPara="1" vertOverflow="ellipsis" vert="horz" wrap="square" anchor="ctr" anchorCtr="1"/>
-          <a:lstStyle/>
-          <a:p>
-            <a:pPr>
-              <a:defRPr sz="1600" b="0" i="0" u="none" strike="noStrike" kern="1200" baseline="0">
-                <a:solidFill>
-                  <a:sysClr val="windowText" lastClr="000000"/>
-                </a:solidFill>
-                <a:latin typeface="Times New Roman" panose="02020603050405020304" pitchFamily="18" charset="0"/>
-                <a:ea typeface="+mn-ea"/>
-                <a:cs typeface="Times New Roman" panose="02020603050405020304" pitchFamily="18" charset="0"/>
-              </a:defRPr>
-            </a:pPr>
-            <a:endParaRPr lang="en-US"/>
-          </a:p>
-        </c:txPr>
-        <c:crossAx val="275446784"/>
-        <c:crossesAt val="-0.8"/>
-        <c:crossBetween val="midCat"/>
-        <c:majorUnit val="20"/>
-      </c:valAx>
-      <c:valAx>
-        <c:axId val="275446784"/>
-        <c:scaling>
-          <c:orientation val="minMax"/>
-          <c:max val="0.8"/>
-          <c:min val="-0.60000000000000009"/>
-        </c:scaling>
-        <c:delete val="0"/>
-        <c:axPos val="l"/>
-        <c:majorGridlines>
-          <c:spPr>
-            <a:ln w="12700" cap="flat" cmpd="sng" algn="ctr">
-              <a:solidFill>
-                <a:schemeClr val="tx1">
-                  <a:lumMod val="15000"/>
-                  <a:lumOff val="85000"/>
-                </a:schemeClr>
-              </a:solidFill>
-              <a:prstDash val="sysDash"/>
-              <a:round/>
-            </a:ln>
-            <a:effectLst/>
-          </c:spPr>
-        </c:majorGridlines>
-        <c:title>
-          <c:tx>
-            <c:rich>
-              <a:bodyPr rot="-5400000" spcFirstLastPara="1" vertOverflow="ellipsis" vert="horz" wrap="square" anchor="ctr" anchorCtr="1"/>
-              <a:lstStyle/>
-              <a:p>
-                <a:pPr>
-                  <a:defRPr sz="2000" b="0" i="0" u="none" strike="noStrike" kern="1200" baseline="0">
-                    <a:solidFill>
-                      <a:sysClr val="windowText" lastClr="000000"/>
-                    </a:solidFill>
-                    <a:latin typeface="Times New Roman" panose="02020603050405020304" pitchFamily="18" charset="0"/>
-                    <a:ea typeface="+mn-ea"/>
-                    <a:cs typeface="Times New Roman" panose="02020603050405020304" pitchFamily="18" charset="0"/>
-                  </a:defRPr>
-                </a:pPr>
-                <a:r>
-                  <a:rPr lang="en-US" sz="2000" b="1">
-                    <a:solidFill>
-                      <a:sysClr val="windowText" lastClr="000000"/>
-                    </a:solidFill>
-                    <a:latin typeface="Times New Roman" panose="02020603050405020304" pitchFamily="18" charset="0"/>
-                    <a:cs typeface="Times New Roman" panose="02020603050405020304" pitchFamily="18" charset="0"/>
-                  </a:rPr>
-                  <a:t>(</a:t>
-                </a:r>
-                <a:r>
-                  <a:rPr lang="en-US" sz="2000" b="1" i="1">
-                    <a:solidFill>
-                      <a:sysClr val="windowText" lastClr="000000"/>
-                    </a:solidFill>
-                    <a:latin typeface="Times New Roman" panose="02020603050405020304" pitchFamily="18" charset="0"/>
-                    <a:cs typeface="Times New Roman" panose="02020603050405020304" pitchFamily="18" charset="0"/>
-                  </a:rPr>
-                  <a:t>k</a:t>
-                </a:r>
-                <a:r>
-                  <a:rPr lang="en-US" sz="2000" b="1" baseline="-25000">
-                    <a:solidFill>
-                      <a:sysClr val="windowText" lastClr="000000"/>
-                    </a:solidFill>
-                    <a:latin typeface="Times New Roman" panose="02020603050405020304" pitchFamily="18" charset="0"/>
-                    <a:cs typeface="Times New Roman" panose="02020603050405020304" pitchFamily="18" charset="0"/>
-                  </a:rPr>
-                  <a:t>exp</a:t>
-                </a:r>
-                <a:r>
-                  <a:rPr lang="en-US" sz="2000" b="1">
-                    <a:solidFill>
-                      <a:sysClr val="windowText" lastClr="000000"/>
-                    </a:solidFill>
-                    <a:latin typeface="Times New Roman" panose="02020603050405020304" pitchFamily="18" charset="0"/>
-                    <a:cs typeface="Times New Roman" panose="02020603050405020304" pitchFamily="18" charset="0"/>
-                  </a:rPr>
-                  <a:t>-</a:t>
-                </a:r>
-                <a:r>
-                  <a:rPr lang="en-US" sz="2000" b="1" i="1">
-                    <a:solidFill>
-                      <a:sysClr val="windowText" lastClr="000000"/>
-                    </a:solidFill>
-                    <a:latin typeface="Times New Roman" panose="02020603050405020304" pitchFamily="18" charset="0"/>
-                    <a:cs typeface="Times New Roman" panose="02020603050405020304" pitchFamily="18" charset="0"/>
-                  </a:rPr>
-                  <a:t>k</a:t>
-                </a:r>
-                <a:r>
-                  <a:rPr lang="en-US" sz="2000" b="1" baseline="-25000">
-                    <a:solidFill>
-                      <a:sysClr val="windowText" lastClr="000000"/>
-                    </a:solidFill>
-                    <a:latin typeface="Times New Roman" panose="02020603050405020304" pitchFamily="18" charset="0"/>
-                    <a:cs typeface="Times New Roman" panose="02020603050405020304" pitchFamily="18" charset="0"/>
-                  </a:rPr>
-                  <a:t>b</a:t>
-                </a:r>
-                <a:r>
-                  <a:rPr lang="en-US" sz="2000" b="1">
-                    <a:solidFill>
-                      <a:sysClr val="windowText" lastClr="000000"/>
-                    </a:solidFill>
-                    <a:latin typeface="Times New Roman" panose="02020603050405020304" pitchFamily="18" charset="0"/>
-                    <a:cs typeface="Times New Roman" panose="02020603050405020304" pitchFamily="18" charset="0"/>
-                  </a:rPr>
-                  <a:t>)/</a:t>
-                </a:r>
-                <a:r>
-                  <a:rPr lang="en-US" sz="2000" b="1" i="1">
-                    <a:solidFill>
-                      <a:sysClr val="windowText" lastClr="000000"/>
-                    </a:solidFill>
-                    <a:latin typeface="Times New Roman" panose="02020603050405020304" pitchFamily="18" charset="0"/>
-                    <a:cs typeface="Times New Roman" panose="02020603050405020304" pitchFamily="18" charset="0"/>
-                  </a:rPr>
-                  <a:t>k</a:t>
-                </a:r>
-                <a:r>
-                  <a:rPr lang="en-US" sz="2000" b="1" baseline="-25000">
-                    <a:solidFill>
-                      <a:sysClr val="windowText" lastClr="000000"/>
-                    </a:solidFill>
-                    <a:latin typeface="Times New Roman" panose="02020603050405020304" pitchFamily="18" charset="0"/>
-                    <a:cs typeface="Times New Roman" panose="02020603050405020304" pitchFamily="18" charset="0"/>
-                  </a:rPr>
-                  <a:t>b</a:t>
-                </a:r>
-              </a:p>
-            </c:rich>
-          </c:tx>
-          <c:layout>
-            <c:manualLayout>
-              <c:xMode val="edge"/>
-              <c:yMode val="edge"/>
-              <c:x val="1.909374895219787E-2"/>
-              <c:y val="0.31993739543844407"/>
-            </c:manualLayout>
-          </c:layout>
-          <c:overlay val="0"/>
-          <c:spPr>
-            <a:noFill/>
-            <a:ln>
-              <a:noFill/>
-            </a:ln>
-            <a:effectLst/>
-          </c:spPr>
-        </c:title>
-        <c:numFmt formatCode="0%" sourceLinked="0"/>
-        <c:majorTickMark val="in"/>
-        <c:minorTickMark val="none"/>
-        <c:tickLblPos val="nextTo"/>
-        <c:spPr>
-          <a:noFill/>
-          <a:ln w="9525" cap="flat" cmpd="sng" algn="ctr">
-            <a:solidFill>
-              <a:schemeClr val="tx1"/>
-            </a:solidFill>
-            <a:round/>
-          </a:ln>
-          <a:effectLst/>
-        </c:spPr>
-        <c:txPr>
-          <a:bodyPr rot="-60000000" spcFirstLastPara="1" vertOverflow="ellipsis" vert="horz" wrap="square" anchor="ctr" anchorCtr="1"/>
-          <a:lstStyle/>
-          <a:p>
-            <a:pPr>
-              <a:defRPr sz="1600" b="0" i="0" u="none" strike="noStrike" kern="1200" baseline="0">
-                <a:solidFill>
-                  <a:sysClr val="windowText" lastClr="000000"/>
-                </a:solidFill>
-                <a:latin typeface="Times New Roman" panose="02020603050405020304" pitchFamily="18" charset="0"/>
-                <a:ea typeface="+mn-ea"/>
-                <a:cs typeface="Times New Roman" panose="02020603050405020304" pitchFamily="18" charset="0"/>
-              </a:defRPr>
-            </a:pPr>
-            <a:endParaRPr lang="en-US"/>
-          </a:p>
-        </c:txPr>
-        <c:crossAx val="275444864"/>
-        <c:crosses val="autoZero"/>
-        <c:crossBetween val="midCat"/>
-      </c:valAx>
-      <c:spPr>
-        <a:solidFill>
-          <a:schemeClr val="bg1"/>
-        </a:solidFill>
-        <a:ln w="25400">
-          <a:solidFill>
-            <a:schemeClr val="tx1"/>
-          </a:solidFill>
-        </a:ln>
-        <a:effectLst/>
-      </c:spPr>
-    </c:plotArea>
-    <c:legend>
-      <c:legendPos val="b"/>
-      <c:layout>
-        <c:manualLayout>
-          <c:xMode val="edge"/>
-          <c:yMode val="edge"/>
-          <c:x val="0.15617691704732065"/>
-          <c:y val="6.0271769872799807E-2"/>
-          <c:w val="0.7769752263325771"/>
-          <c:h val="9.9290965188543717E-2"/>
-        </c:manualLayout>
-      </c:layout>
-      <c:overlay val="0"/>
-      <c:spPr>
-        <a:noFill/>
-        <a:ln>
-          <a:noFill/>
-        </a:ln>
-        <a:effectLst/>
-      </c:spPr>
-      <c:txPr>
-        <a:bodyPr rot="0" spcFirstLastPara="1" vertOverflow="ellipsis" vert="horz" wrap="square" anchor="ctr" anchorCtr="1"/>
-        <a:lstStyle/>
-        <a:p>
-          <a:pPr>
-            <a:defRPr sz="1600" b="0" i="0" u="none" strike="noStrike" kern="1200" baseline="0">
-              <a:solidFill>
-                <a:sysClr val="windowText" lastClr="000000"/>
-              </a:solidFill>
-              <a:latin typeface="Times New Roman" panose="02020603050405020304" pitchFamily="18" charset="0"/>
-              <a:ea typeface="+mn-ea"/>
-              <a:cs typeface="Times New Roman" panose="02020603050405020304" pitchFamily="18" charset="0"/>
-            </a:defRPr>
-          </a:pPr>
-          <a:endParaRPr lang="en-US"/>
-        </a:p>
-      </c:txPr>
-    </c:legend>
-    <c:plotVisOnly val="1"/>
-    <c:dispBlanksAs val="gap"/>
-    <c:showDLblsOverMax val="0"/>
-  </c:chart>
-  <c:spPr>
-    <a:noFill/>
-    <a:ln w="9525" cap="flat" cmpd="sng" algn="ctr">
-      <a:noFill/>
-      <a:round/>
-    </a:ln>
-    <a:effectLst/>
-  </c:spPr>
-  <c:txPr>
-    <a:bodyPr/>
-    <a:lstStyle/>
-    <a:p>
-      <a:pPr>
-        <a:defRPr/>
-      </a:pPr>
-      <a:endParaRPr lang="en-US"/>
-    </a:p>
-  </c:txPr>
-  <c:externalData r:id="rId1">
-    <c:autoUpdate val="0"/>
-  </c:externalData>
-</c:chartSpace>
-</file>
-
 <file path=ppt/slideLayouts/slideLayout1.xml><?xml version="1.0" encoding="utf-8"?>
 <p:sldLayout xmlns:a="http://schemas.openxmlformats.org/drawingml/2006/main" xmlns:r="http://schemas.openxmlformats.org/officeDocument/2006/relationships" xmlns:p="http://schemas.openxmlformats.org/presentationml/2006/main" type="title" preserve="1">
   <p:cSld name="Title Slide">
@@ -1309,7 +263,7 @@
           <a:p>
             <a:fld id="{7B067E2A-9D77-8A4D-978A-D1939FD1099D}" type="datetimeFigureOut">
               <a:rPr lang="en-US" smtClean="0"/>
-              <a:t>7/22/2020</a:t>
+              <a:t>8/9/2020</a:t>
             </a:fld>
             <a:endParaRPr lang="en-US"/>
           </a:p>
@@ -1477,7 +431,7 @@
           <a:p>
             <a:fld id="{7B067E2A-9D77-8A4D-978A-D1939FD1099D}" type="datetimeFigureOut">
               <a:rPr lang="en-US" smtClean="0"/>
-              <a:t>7/22/2020</a:t>
+              <a:t>8/9/2020</a:t>
             </a:fld>
             <a:endParaRPr lang="en-US"/>
           </a:p>
@@ -1655,7 +609,7 @@
           <a:p>
             <a:fld id="{7B067E2A-9D77-8A4D-978A-D1939FD1099D}" type="datetimeFigureOut">
               <a:rPr lang="en-US" smtClean="0"/>
-              <a:t>7/22/2020</a:t>
+              <a:t>8/9/2020</a:t>
             </a:fld>
             <a:endParaRPr lang="en-US"/>
           </a:p>
@@ -1823,7 +777,7 @@
           <a:p>
             <a:fld id="{7B067E2A-9D77-8A4D-978A-D1939FD1099D}" type="datetimeFigureOut">
               <a:rPr lang="en-US" smtClean="0"/>
-              <a:t>7/22/2020</a:t>
+              <a:t>8/9/2020</a:t>
             </a:fld>
             <a:endParaRPr lang="en-US"/>
           </a:p>
@@ -2068,7 +1022,7 @@
           <a:p>
             <a:fld id="{7B067E2A-9D77-8A4D-978A-D1939FD1099D}" type="datetimeFigureOut">
               <a:rPr lang="en-US" smtClean="0"/>
-              <a:t>7/22/2020</a:t>
+              <a:t>8/9/2020</a:t>
             </a:fld>
             <a:endParaRPr lang="en-US"/>
           </a:p>
@@ -2297,7 +1251,7 @@
           <a:p>
             <a:fld id="{7B067E2A-9D77-8A4D-978A-D1939FD1099D}" type="datetimeFigureOut">
               <a:rPr lang="en-US" smtClean="0"/>
-              <a:t>7/22/2020</a:t>
+              <a:t>8/9/2020</a:t>
             </a:fld>
             <a:endParaRPr lang="en-US"/>
           </a:p>
@@ -2661,7 +1615,7 @@
           <a:p>
             <a:fld id="{7B067E2A-9D77-8A4D-978A-D1939FD1099D}" type="datetimeFigureOut">
               <a:rPr lang="en-US" smtClean="0"/>
-              <a:t>7/22/2020</a:t>
+              <a:t>8/9/2020</a:t>
             </a:fld>
             <a:endParaRPr lang="en-US"/>
           </a:p>
@@ -2778,7 +1732,7 @@
           <a:p>
             <a:fld id="{7B067E2A-9D77-8A4D-978A-D1939FD1099D}" type="datetimeFigureOut">
               <a:rPr lang="en-US" smtClean="0"/>
-              <a:t>7/22/2020</a:t>
+              <a:t>8/9/2020</a:t>
             </a:fld>
             <a:endParaRPr lang="en-US"/>
           </a:p>
@@ -2873,7 +1827,7 @@
           <a:p>
             <a:fld id="{7B067E2A-9D77-8A4D-978A-D1939FD1099D}" type="datetimeFigureOut">
               <a:rPr lang="en-US" smtClean="0"/>
-              <a:t>7/22/2020</a:t>
+              <a:t>8/9/2020</a:t>
             </a:fld>
             <a:endParaRPr lang="en-US"/>
           </a:p>
@@ -3148,7 +2102,7 @@
           <a:p>
             <a:fld id="{7B067E2A-9D77-8A4D-978A-D1939FD1099D}" type="datetimeFigureOut">
               <a:rPr lang="en-US" smtClean="0"/>
-              <a:t>7/22/2020</a:t>
+              <a:t>8/9/2020</a:t>
             </a:fld>
             <a:endParaRPr lang="en-US"/>
           </a:p>
@@ -3400,7 +2354,7 @@
           <a:p>
             <a:fld id="{7B067E2A-9D77-8A4D-978A-D1939FD1099D}" type="datetimeFigureOut">
               <a:rPr lang="en-US" smtClean="0"/>
-              <a:t>7/22/2020</a:t>
+              <a:t>8/9/2020</a:t>
             </a:fld>
             <a:endParaRPr lang="en-US"/>
           </a:p>
@@ -3611,7 +2565,7 @@
           <a:p>
             <a:fld id="{7B067E2A-9D77-8A4D-978A-D1939FD1099D}" type="datetimeFigureOut">
               <a:rPr lang="en-US" smtClean="0"/>
-              <a:t>7/22/2020</a:t>
+              <a:t>8/9/2020</a:t>
             </a:fld>
             <a:endParaRPr lang="en-US"/>
           </a:p>
@@ -4040,8 +2994,13 @@
           <a:p>
             <a:r>
               <a:rPr lang="en-US" sz="5200" b="1" dirty="0"/>
-              <a:t>Statistical Analysis on Fundamental reactions in Kinetics using Weighted Relative Error Least Square Fitting</a:t>
-            </a:r>
+              <a:t>Statistical Analysis on </a:t>
+            </a:r>
+            <a:r>
+              <a:rPr lang="en-US" altLang="zh-CN" sz="5200" b="1" dirty="0"/>
+              <a:t>Rate parameters of H2-O2 reaction system</a:t>
+            </a:r>
+            <a:endParaRPr lang="en-US" sz="5200" b="1" dirty="0"/>
           </a:p>
         </p:txBody>
       </p:sp>
@@ -4049,6 +3008,428 @@
     <p:extLst>
       <p:ext uri="{BB962C8B-B14F-4D97-AF65-F5344CB8AC3E}">
         <p14:creationId xmlns:p14="http://schemas.microsoft.com/office/powerpoint/2010/main" val="337331568"/>
+      </p:ext>
+    </p:extLst>
+  </p:cSld>
+  <p:clrMapOvr>
+    <a:masterClrMapping/>
+  </p:clrMapOvr>
+</p:sld>
+</file>
+
+<file path=ppt/slides/slide10.xml><?xml version="1.0" encoding="utf-8"?>
+<p:sld xmlns:a="http://schemas.openxmlformats.org/drawingml/2006/main" xmlns:r="http://schemas.openxmlformats.org/officeDocument/2006/relationships" xmlns:p="http://schemas.openxmlformats.org/presentationml/2006/main">
+  <p:cSld>
+    <p:spTree>
+      <p:nvGrpSpPr>
+        <p:cNvPr id="1" name=""/>
+        <p:cNvGrpSpPr/>
+        <p:nvPr/>
+      </p:nvGrpSpPr>
+      <p:grpSpPr>
+        <a:xfrm>
+          <a:off x="0" y="0"/>
+          <a:ext cx="0" cy="0"/>
+          <a:chOff x="0" y="0"/>
+          <a:chExt cx="0" cy="0"/>
+        </a:xfrm>
+      </p:grpSpPr>
+      <p:sp>
+        <p:nvSpPr>
+          <p:cNvPr id="2" name="Title 1">
+            <a:extLst>
+              <a:ext uri="{FF2B5EF4-FFF2-40B4-BE49-F238E27FC236}">
+                <a16:creationId xmlns:a16="http://schemas.microsoft.com/office/drawing/2014/main" id="{52922714-9396-43EA-96FF-290824F1E0BF}"/>
+              </a:ext>
+            </a:extLst>
+          </p:cNvPr>
+          <p:cNvSpPr>
+            <a:spLocks noGrp="1"/>
+          </p:cNvSpPr>
+          <p:nvPr>
+            <p:ph type="title"/>
+          </p:nvPr>
+        </p:nvSpPr>
+        <p:spPr/>
+        <p:txBody>
+          <a:bodyPr>
+            <a:normAutofit/>
+          </a:bodyPr>
+          <a:lstStyle/>
+          <a:p>
+            <a:r>
+              <a:rPr lang="en-US" sz="4000" dirty="0"/>
+              <a:t>Improved Method of Uncertainty Minimization with Polynomial Chaos Expansions (MUM-PCE)</a:t>
+            </a:r>
+          </a:p>
+        </p:txBody>
+      </p:sp>
+      <p:sp>
+        <p:nvSpPr>
+          <p:cNvPr id="6" name="TextBox 5">
+            <a:extLst>
+              <a:ext uri="{FF2B5EF4-FFF2-40B4-BE49-F238E27FC236}">
+                <a16:creationId xmlns:a16="http://schemas.microsoft.com/office/drawing/2014/main" id="{B9620809-3294-4A43-BAFE-854AD8F0ABF7}"/>
+              </a:ext>
+            </a:extLst>
+          </p:cNvPr>
+          <p:cNvSpPr txBox="1"/>
+          <p:nvPr/>
+        </p:nvSpPr>
+        <p:spPr>
+          <a:xfrm>
+            <a:off x="5693426" y="1868674"/>
+            <a:ext cx="6045282" cy="3785652"/>
+          </a:xfrm>
+          <a:prstGeom prst="rect">
+            <a:avLst/>
+          </a:prstGeom>
+          <a:noFill/>
+        </p:spPr>
+        <p:txBody>
+          <a:bodyPr wrap="square" rtlCol="0">
+            <a:spAutoFit/>
+          </a:bodyPr>
+          <a:lstStyle/>
+          <a:p>
+            <a:pPr marL="457200" indent="-457200">
+              <a:buFont typeface="Wingdings" panose="05000000000000000000" pitchFamily="2" charset="2"/>
+              <a:buChar char="v"/>
+            </a:pPr>
+            <a:r>
+              <a:rPr lang="en-US" sz="1600" dirty="0"/>
+              <a:t>Flow reactor speciation measurement uncertainty set as 5%</a:t>
+            </a:r>
+          </a:p>
+          <a:p>
+            <a:endParaRPr lang="en-US" sz="1600" dirty="0"/>
+          </a:p>
+          <a:p>
+            <a:pPr marL="457200" indent="-457200">
+              <a:buFont typeface="Wingdings" panose="05000000000000000000" pitchFamily="2" charset="2"/>
+              <a:buChar char="v"/>
+            </a:pPr>
+            <a:r>
+              <a:rPr lang="en-US" sz="1600" dirty="0"/>
+              <a:t>Overlap the simulation and experiment  at the state with 50% fuel consumption where the gradient is biggest</a:t>
+            </a:r>
+          </a:p>
+          <a:p>
+            <a:pPr marL="457200" indent="-457200">
+              <a:buFont typeface="Wingdings" panose="05000000000000000000" pitchFamily="2" charset="2"/>
+              <a:buChar char="v"/>
+            </a:pPr>
+            <a:endParaRPr lang="en-US" sz="1600" dirty="0"/>
+          </a:p>
+          <a:p>
+            <a:pPr marL="457200" indent="-457200">
+              <a:buFont typeface="Wingdings" panose="05000000000000000000" pitchFamily="2" charset="2"/>
+              <a:buChar char="v"/>
+            </a:pPr>
+            <a:r>
+              <a:rPr lang="en-US" sz="1600" dirty="0"/>
+              <a:t>The original Li mech can well capture the trend from the experiment but still not quantitatively satisfactory</a:t>
+            </a:r>
+          </a:p>
+          <a:p>
+            <a:pPr marL="457200" indent="-457200">
+              <a:buFont typeface="Wingdings" panose="05000000000000000000" pitchFamily="2" charset="2"/>
+              <a:buChar char="v"/>
+            </a:pPr>
+            <a:endParaRPr lang="en-US" sz="1600" dirty="0"/>
+          </a:p>
+          <a:p>
+            <a:pPr marL="457200" indent="-457200">
+              <a:buFont typeface="Wingdings" panose="05000000000000000000" pitchFamily="2" charset="2"/>
+              <a:buChar char="v"/>
+            </a:pPr>
+            <a:r>
+              <a:rPr lang="en-US" sz="1600" dirty="0"/>
+              <a:t>Based on MUM-PCE (Sheen &amp; Wang 2010), we improved the uncertainty constraint code to make it more physically interpretable.</a:t>
+            </a:r>
+          </a:p>
+          <a:p>
+            <a:pPr marL="457200" indent="-457200">
+              <a:buFont typeface="Wingdings" panose="05000000000000000000" pitchFamily="2" charset="2"/>
+              <a:buChar char="v"/>
+            </a:pPr>
+            <a:r>
+              <a:rPr lang="en-US" sz="1600" dirty="0"/>
+              <a:t>Results shows ~10% reduction of H+O2+M rate reduction provide satisfied agreement between experiment and simulation with simulation uncertainty also plotted. Other rate are also tuned by MUM-PCE. This, however, serves as an example though</a:t>
+            </a:r>
+          </a:p>
+        </p:txBody>
+      </p:sp>
+      <p:sp>
+        <p:nvSpPr>
+          <p:cNvPr id="7" name="TextBox 6">
+            <a:extLst>
+              <a:ext uri="{FF2B5EF4-FFF2-40B4-BE49-F238E27FC236}">
+                <a16:creationId xmlns:a16="http://schemas.microsoft.com/office/drawing/2014/main" id="{473BF587-E526-4B55-B0EF-1D8B10EBDE4E}"/>
+              </a:ext>
+            </a:extLst>
+          </p:cNvPr>
+          <p:cNvSpPr txBox="1"/>
+          <p:nvPr/>
+        </p:nvSpPr>
+        <p:spPr>
+          <a:xfrm>
+            <a:off x="1295733" y="5904857"/>
+            <a:ext cx="11502816" cy="830997"/>
+          </a:xfrm>
+          <a:prstGeom prst="rect">
+            <a:avLst/>
+          </a:prstGeom>
+          <a:noFill/>
+        </p:spPr>
+        <p:txBody>
+          <a:bodyPr wrap="square" rtlCol="0">
+            <a:spAutoFit/>
+          </a:bodyPr>
+          <a:lstStyle/>
+          <a:p>
+            <a:r>
+              <a:rPr lang="en-US" sz="2400" dirty="0">
+                <a:solidFill>
+                  <a:srgbClr val="0000FF"/>
+                </a:solidFill>
+              </a:rPr>
+              <a:t>Together with other species profiles, the uncertainty of the constructed H2/O2 </a:t>
+            </a:r>
+          </a:p>
+          <a:p>
+            <a:r>
+              <a:rPr lang="en-US" sz="2400" dirty="0">
+                <a:solidFill>
+                  <a:srgbClr val="0000FF"/>
+                </a:solidFill>
+              </a:rPr>
+              <a:t>kinetics can be further minimized </a:t>
+            </a:r>
+          </a:p>
+        </p:txBody>
+      </p:sp>
+      <p:pic>
+        <p:nvPicPr>
+          <p:cNvPr id="8" name="Picture 7">
+            <a:extLst>
+              <a:ext uri="{FF2B5EF4-FFF2-40B4-BE49-F238E27FC236}">
+                <a16:creationId xmlns:a16="http://schemas.microsoft.com/office/drawing/2014/main" id="{926737F5-6C99-4D00-B2B1-39BEACB0FB25}"/>
+              </a:ext>
+            </a:extLst>
+          </p:cNvPr>
+          <p:cNvPicPr>
+            <a:picLocks noChangeAspect="1"/>
+          </p:cNvPicPr>
+          <p:nvPr/>
+        </p:nvPicPr>
+        <p:blipFill>
+          <a:blip r:embed="rId2">
+            <a:extLst>
+              <a:ext uri="{28A0092B-C50C-407E-A947-70E740481C1C}">
+                <a14:useLocalDpi xmlns:a14="http://schemas.microsoft.com/office/drawing/2010/main" val="0"/>
+              </a:ext>
+            </a:extLst>
+          </a:blip>
+          <a:stretch>
+            <a:fillRect/>
+          </a:stretch>
+        </p:blipFill>
+        <p:spPr>
+          <a:xfrm>
+            <a:off x="288811" y="1557134"/>
+            <a:ext cx="5439509" cy="4162510"/>
+          </a:xfrm>
+          <a:prstGeom prst="rect">
+            <a:avLst/>
+          </a:prstGeom>
+        </p:spPr>
+      </p:pic>
+    </p:spTree>
+    <p:extLst>
+      <p:ext uri="{BB962C8B-B14F-4D97-AF65-F5344CB8AC3E}">
+        <p14:creationId xmlns:p14="http://schemas.microsoft.com/office/powerpoint/2010/main" val="2676374530"/>
+      </p:ext>
+    </p:extLst>
+  </p:cSld>
+  <p:clrMapOvr>
+    <a:masterClrMapping/>
+  </p:clrMapOvr>
+</p:sld>
+</file>
+
+<file path=ppt/slides/slide11.xml><?xml version="1.0" encoding="utf-8"?>
+<p:sld xmlns:a="http://schemas.openxmlformats.org/drawingml/2006/main" xmlns:r="http://schemas.openxmlformats.org/officeDocument/2006/relationships" xmlns:p="http://schemas.openxmlformats.org/presentationml/2006/main">
+  <p:cSld>
+    <p:spTree>
+      <p:nvGrpSpPr>
+        <p:cNvPr id="1" name=""/>
+        <p:cNvGrpSpPr/>
+        <p:nvPr/>
+      </p:nvGrpSpPr>
+      <p:grpSpPr>
+        <a:xfrm>
+          <a:off x="0" y="0"/>
+          <a:ext cx="0" cy="0"/>
+          <a:chOff x="0" y="0"/>
+          <a:chExt cx="0" cy="0"/>
+        </a:xfrm>
+      </p:grpSpPr>
+      <p:sp>
+        <p:nvSpPr>
+          <p:cNvPr id="2" name="Title 1">
+            <a:extLst>
+              <a:ext uri="{FF2B5EF4-FFF2-40B4-BE49-F238E27FC236}">
+                <a16:creationId xmlns:a16="http://schemas.microsoft.com/office/drawing/2014/main" id="{FEB5DC3E-633F-463C-AB3B-568D3575DC0F}"/>
+              </a:ext>
+            </a:extLst>
+          </p:cNvPr>
+          <p:cNvSpPr>
+            <a:spLocks noGrp="1"/>
+          </p:cNvSpPr>
+          <p:nvPr>
+            <p:ph type="title"/>
+          </p:nvPr>
+        </p:nvSpPr>
+        <p:spPr/>
+        <p:txBody>
+          <a:bodyPr/>
+          <a:lstStyle/>
+          <a:p>
+            <a:r>
+              <a:rPr lang="en-US" dirty="0"/>
+              <a:t>Future plan</a:t>
+            </a:r>
+          </a:p>
+        </p:txBody>
+      </p:sp>
+      <p:sp>
+        <p:nvSpPr>
+          <p:cNvPr id="3" name="Content Placeholder 2">
+            <a:extLst>
+              <a:ext uri="{FF2B5EF4-FFF2-40B4-BE49-F238E27FC236}">
+                <a16:creationId xmlns:a16="http://schemas.microsoft.com/office/drawing/2014/main" id="{4DFCAAE2-44EF-4CF3-9D84-2CC7AD43286C}"/>
+              </a:ext>
+            </a:extLst>
+          </p:cNvPr>
+          <p:cNvSpPr>
+            <a:spLocks noGrp="1"/>
+          </p:cNvSpPr>
+          <p:nvPr>
+            <p:ph idx="1"/>
+          </p:nvPr>
+        </p:nvSpPr>
+        <p:spPr/>
+        <p:txBody>
+          <a:bodyPr>
+            <a:normAutofit fontScale="92500"/>
+          </a:bodyPr>
+          <a:lstStyle/>
+          <a:p>
+            <a:r>
+              <a:rPr lang="en-US" dirty="0"/>
+              <a:t>Finish H</a:t>
+            </a:r>
+            <a:r>
+              <a:rPr lang="en-US" baseline="-25000" dirty="0"/>
+              <a:t>2</a:t>
+            </a:r>
+            <a:r>
+              <a:rPr lang="en-US" dirty="0"/>
+              <a:t>-O</a:t>
+            </a:r>
+            <a:r>
+              <a:rPr lang="en-US" baseline="-25000" dirty="0"/>
+              <a:t>2</a:t>
+            </a:r>
+            <a:r>
+              <a:rPr lang="en-US" dirty="0"/>
+              <a:t> mechanism with statistical analysis and MUM-PCE by August 2020. Publish first set of results as methodology demonstration </a:t>
+            </a:r>
+          </a:p>
+          <a:p>
+            <a:pPr marL="0" indent="0">
+              <a:buNone/>
+            </a:pPr>
+            <a:endParaRPr lang="en-US" dirty="0"/>
+          </a:p>
+          <a:p>
+            <a:r>
+              <a:rPr lang="en-US" dirty="0"/>
+              <a:t>H</a:t>
+            </a:r>
+            <a:r>
+              <a:rPr lang="en-US" baseline="-25000" dirty="0"/>
+              <a:t>2</a:t>
+            </a:r>
+            <a:r>
+              <a:rPr lang="en-US" dirty="0"/>
+              <a:t>-O</a:t>
+            </a:r>
+            <a:r>
+              <a:rPr lang="en-US" baseline="-25000" dirty="0"/>
+              <a:t>2</a:t>
+            </a:r>
+            <a:r>
+              <a:rPr lang="en-US" dirty="0"/>
+              <a:t> mechanism validation against flame speed, JSR, flow reactor, shock tube ignition delay (new H</a:t>
+            </a:r>
+            <a:r>
+              <a:rPr lang="en-US" baseline="-25000" dirty="0"/>
+              <a:t>2</a:t>
+            </a:r>
+            <a:r>
+              <a:rPr lang="en-US" dirty="0"/>
+              <a:t>O</a:t>
+            </a:r>
+            <a:r>
+              <a:rPr lang="en-US" baseline="-25000" dirty="0"/>
+              <a:t>2</a:t>
+            </a:r>
+            <a:r>
+              <a:rPr lang="en-US" dirty="0"/>
+              <a:t>+OH theoretical calculation), by mid 2021</a:t>
+            </a:r>
+          </a:p>
+          <a:p>
+            <a:endParaRPr lang="en-US" dirty="0"/>
+          </a:p>
+          <a:p>
+            <a:r>
+              <a:rPr lang="en-US" dirty="0"/>
+              <a:t>Extend mechanism to CH</a:t>
+            </a:r>
+            <a:r>
+              <a:rPr lang="en-US" baseline="-25000" dirty="0"/>
+              <a:t>2</a:t>
+            </a:r>
+            <a:r>
+              <a:rPr lang="en-US" dirty="0"/>
+              <a:t>O with new experiments (Flame and shock tube), theoretical calculation on HCO + O</a:t>
+            </a:r>
+            <a:r>
+              <a:rPr lang="en-US" baseline="-25000" dirty="0"/>
+              <a:t>2 </a:t>
+            </a:r>
+            <a:r>
+              <a:rPr lang="en-US" dirty="0"/>
+              <a:t>= HO</a:t>
+            </a:r>
+            <a:r>
+              <a:rPr lang="en-US" baseline="-25000" dirty="0"/>
+              <a:t>2 </a:t>
+            </a:r>
+            <a:r>
+              <a:rPr lang="en-US" dirty="0"/>
+              <a:t>+ CO and HCO decomposition </a:t>
+            </a:r>
+          </a:p>
+        </p:txBody>
+      </p:sp>
+    </p:spTree>
+    <p:extLst>
+      <p:ext uri="{BB962C8B-B14F-4D97-AF65-F5344CB8AC3E}">
+        <p14:creationId xmlns:p14="http://schemas.microsoft.com/office/powerpoint/2010/main" val="3740501958"/>
       </p:ext>
     </p:extLst>
   </p:cSld>
@@ -4099,8 +3480,8 @@
           <a:lstStyle/>
           <a:p>
             <a:r>
-              <a:rPr lang="en-US" sz="4800" b="1" dirty="0"/>
-              <a:t>Weighted average and least square fitting</a:t>
+              <a:rPr lang="en-US" sz="4000" dirty="0"/>
+              <a:t>Background</a:t>
             </a:r>
           </a:p>
         </p:txBody>
@@ -4121,48 +3502,36 @@
             <p:ph idx="1"/>
           </p:nvPr>
         </p:nvSpPr>
-        <p:spPr/>
+        <p:spPr>
+          <a:xfrm>
+            <a:off x="838200" y="1392820"/>
+            <a:ext cx="10515600" cy="4784143"/>
+          </a:xfrm>
+        </p:spPr>
         <p:txBody>
           <a:bodyPr>
-            <a:normAutofit fontScale="70000" lnSpcReduction="20000"/>
+            <a:normAutofit fontScale="47500" lnSpcReduction="20000"/>
           </a:bodyPr>
           <a:lstStyle/>
           <a:p>
             <a:r>
               <a:rPr lang="en-US" dirty="0"/>
-              <a:t>Collect all kinetic data and associated uncertainties from shock tube and flow reactor experiments (right figure)</a:t>
-            </a:r>
-          </a:p>
-          <a:p>
+              <a:t>There have been a few studies on reaction mechanism optimization against various experiments:</a:t>
+            </a:r>
+          </a:p>
+          <a:p>
+            <a:pPr lvl="1"/>
+            <a:r>
+              <a:rPr lang="en-US" dirty="0" err="1"/>
+              <a:t>GRI_Mech</a:t>
+            </a:r>
+            <a:endParaRPr lang="en-US" dirty="0"/>
+          </a:p>
+          <a:p>
+            <a:pPr lvl="1"/>
             <a:r>
               <a:rPr lang="en-US" dirty="0"/>
-              <a:t>Weighted average of each data at specific temperature and pressure (maximum likelihood principle)</a:t>
-            </a:r>
-          </a:p>
-          <a:p>
-            <a:endParaRPr lang="en-US" dirty="0"/>
-          </a:p>
-          <a:p>
-            <a:endParaRPr lang="en-US" dirty="0"/>
-          </a:p>
-          <a:p>
-            <a:r>
-              <a:rPr lang="en-US" dirty="0"/>
-              <a:t>Output as evaluated experimental rate : Green line (in left figure) with red cross as the 1-</a:t>
-            </a:r>
-            <a:r>
-              <a:rPr lang="el-GR" dirty="0"/>
-              <a:t>σ</a:t>
-            </a:r>
-            <a:r>
-              <a:rPr lang="en-US" dirty="0"/>
-              <a:t> upper and lower uncertainty</a:t>
-            </a:r>
-          </a:p>
-          <a:p>
-            <a:r>
-              <a:rPr lang="en-US" dirty="0"/>
-              <a:t>Weighted least square fitting of the evaluated experimental rates to produce Arrhenius parameters and uncertainty </a:t>
+              <a:t>USC Mech II (Hai Wang et al), MUM_PCE (David Sheen and Hai Wang) </a:t>
             </a:r>
             <a:r>
               <a:rPr lang="en-US" dirty="0">
@@ -4172,16 +3541,133 @@
             </a:r>
             <a:r>
               <a:rPr lang="en-US" dirty="0"/>
-              <a:t>Blue line (in left figure) </a:t>
-            </a:r>
-          </a:p>
-          <a:p>
+              <a:t>A factor optimization</a:t>
+            </a:r>
+          </a:p>
+          <a:p>
+            <a:pPr lvl="1"/>
             <a:r>
               <a:rPr lang="en-US" dirty="0"/>
-              <a:t>Considered cases that experimental data don’t agree with each other at all. Data consistency uncertainty</a:t>
-            </a:r>
-          </a:p>
-          <a:p>
+              <a:t>Aramco Mech related (</a:t>
+            </a:r>
+            <a:r>
+              <a:rPr lang="en-US" dirty="0" err="1"/>
+              <a:t>Turanyi</a:t>
+            </a:r>
+            <a:r>
+              <a:rPr lang="en-US" dirty="0"/>
+              <a:t> and Curran) </a:t>
+            </a:r>
+          </a:p>
+          <a:p>
+            <a:r>
+              <a:rPr lang="en-US" dirty="0"/>
+              <a:t>Previous </a:t>
+            </a:r>
+            <a:r>
+              <a:rPr lang="en-US" altLang="zh-CN" dirty="0"/>
+              <a:t>o</a:t>
+            </a:r>
+            <a:r>
+              <a:rPr lang="en-US" dirty="0"/>
+              <a:t>ptimizations are empirical uncertainty parameter on each reaction and performed against:</a:t>
+            </a:r>
+          </a:p>
+          <a:p>
+            <a:pPr lvl="1"/>
+            <a:r>
+              <a:rPr lang="en-US" dirty="0"/>
+              <a:t>Flow reactor speciation time history </a:t>
+            </a:r>
+          </a:p>
+          <a:p>
+            <a:pPr lvl="1"/>
+            <a:r>
+              <a:rPr lang="en-US" dirty="0"/>
+              <a:t>Shock tube speciation time history </a:t>
+            </a:r>
+          </a:p>
+          <a:p>
+            <a:pPr lvl="1"/>
+            <a:r>
+              <a:rPr lang="en-US" dirty="0"/>
+              <a:t>Laminar Flame speed </a:t>
+            </a:r>
+          </a:p>
+          <a:p>
+            <a:pPr lvl="1"/>
+            <a:r>
+              <a:rPr lang="en-US" dirty="0"/>
+              <a:t>Jet stirred reactor speciation temperature profile</a:t>
+            </a:r>
+          </a:p>
+          <a:p>
+            <a:pPr lvl="1"/>
+            <a:r>
+              <a:rPr lang="en-US" dirty="0"/>
+              <a:t>Shock tube ignition delay time</a:t>
+            </a:r>
+          </a:p>
+          <a:p>
+            <a:r>
+              <a:rPr lang="en-US" dirty="0"/>
+              <a:t>Main issues of previous work:</a:t>
+            </a:r>
+          </a:p>
+          <a:p>
+            <a:pPr lvl="1"/>
+            <a:r>
+              <a:rPr lang="en-US" dirty="0"/>
+              <a:t>No solid base for the assigned uncertainty of the reaction, largely on personal experience/bias</a:t>
+            </a:r>
+          </a:p>
+          <a:p>
+            <a:pPr lvl="1"/>
+            <a:r>
+              <a:rPr lang="en-US" altLang="zh-CN" dirty="0"/>
+              <a:t>Optimization rates against the following is not valid.</a:t>
+            </a:r>
+          </a:p>
+          <a:p>
+            <a:pPr lvl="2"/>
+            <a:r>
+              <a:rPr lang="en-US" dirty="0"/>
+              <a:t>Laminar Flame speed 		</a:t>
+            </a:r>
+            <a:r>
+              <a:rPr lang="en-US" dirty="0">
+                <a:sym typeface="Wingdings" panose="05000000000000000000" pitchFamily="2" charset="2"/>
+              </a:rPr>
+              <a:t> errors/uncertainty due to manifold of transport and rate in large temperature range</a:t>
+            </a:r>
+            <a:endParaRPr lang="en-US" dirty="0"/>
+          </a:p>
+          <a:p>
+            <a:pPr lvl="2"/>
+            <a:r>
+              <a:rPr lang="en-US" dirty="0"/>
+              <a:t>Jet stirred reactor speciation temperature profile</a:t>
+            </a:r>
+            <a:r>
+              <a:rPr lang="en-US" dirty="0">
+                <a:sym typeface="Wingdings" panose="05000000000000000000" pitchFamily="2" charset="2"/>
+              </a:rPr>
+              <a:t> mixing issue (IS it rapid enough? New/fresh fuel mixed with others which have already reacted for certain time</a:t>
+            </a:r>
+            <a:endParaRPr lang="en-US" dirty="0"/>
+          </a:p>
+          <a:p>
+            <a:pPr lvl="2"/>
+            <a:r>
+              <a:rPr lang="en-US" dirty="0"/>
+              <a:t>Shock tube ignition delay time		</a:t>
+            </a:r>
+            <a:r>
+              <a:rPr lang="en-US" dirty="0">
+                <a:sym typeface="Wingdings" panose="05000000000000000000" pitchFamily="2" charset="2"/>
+              </a:rPr>
+              <a:t>  large uncertainty due to impurity and pressure variation from boundary layer and heat release </a:t>
+            </a:r>
             <a:endParaRPr lang="en-US" dirty="0"/>
           </a:p>
           <a:p>
@@ -4191,41 +3677,92 @@
                   <a:srgbClr val="FF0000"/>
                 </a:solidFill>
               </a:rPr>
-              <a:t>Main advantages: 1) free of personal preference. Objective and automated. 2) robust statistical base and can evolve with new data flowing in</a:t>
-            </a:r>
-          </a:p>
-        </p:txBody>
-      </p:sp>
-      <p:pic>
-        <p:nvPicPr>
-          <p:cNvPr id="5" name="Picture 4">
-            <a:extLst>
-              <a:ext uri="{FF2B5EF4-FFF2-40B4-BE49-F238E27FC236}">
-                <a16:creationId xmlns:a16="http://schemas.microsoft.com/office/drawing/2014/main" id="{A966A94A-5C19-4FD2-8A0D-0505C34FC719}"/>
-              </a:ext>
-            </a:extLst>
-          </p:cNvPr>
-          <p:cNvPicPr>
-            <a:picLocks noChangeAspect="1"/>
-          </p:cNvPicPr>
-          <p:nvPr/>
-        </p:nvPicPr>
-        <p:blipFill>
-          <a:blip r:embed="rId2"/>
-          <a:stretch>
-            <a:fillRect/>
-          </a:stretch>
-        </p:blipFill>
-        <p:spPr>
-          <a:xfrm>
-            <a:off x="3460831" y="2753993"/>
-            <a:ext cx="4224758" cy="844625"/>
-          </a:xfrm>
-          <a:prstGeom prst="rect">
-            <a:avLst/>
-          </a:prstGeom>
-        </p:spPr>
-      </p:pic>
+              <a:t>Our approach:</a:t>
+            </a:r>
+          </a:p>
+          <a:p>
+            <a:pPr lvl="1"/>
+            <a:r>
+              <a:rPr lang="en-US" b="1" dirty="0">
+                <a:solidFill>
+                  <a:srgbClr val="FF0000"/>
+                </a:solidFill>
+              </a:rPr>
+              <a:t>Collect all rates determined from shock tube/flow reactor speciation time history  with known uncertainty, modern theoretical calculation results included too with assigned uncertainty if experimental data are sparse</a:t>
+            </a:r>
+          </a:p>
+          <a:p>
+            <a:pPr lvl="1"/>
+            <a:r>
+              <a:rPr lang="en-US" b="1" dirty="0">
+                <a:solidFill>
+                  <a:srgbClr val="FF0000"/>
+                </a:solidFill>
+              </a:rPr>
+              <a:t>Evaluate rate uncertainty at each temperature/pressure based statistical analysis (weighted average)</a:t>
+            </a:r>
+          </a:p>
+          <a:p>
+            <a:pPr lvl="1"/>
+            <a:r>
+              <a:rPr lang="en-US" b="1" dirty="0">
+                <a:solidFill>
+                  <a:srgbClr val="FF0000"/>
+                </a:solidFill>
+              </a:rPr>
+              <a:t>Weighted least square fitting all evaluated rates of this reaction to generate Arrhenius parameters(</a:t>
+            </a:r>
+            <a:r>
+              <a:rPr lang="en-US" b="1" dirty="0" err="1">
+                <a:solidFill>
+                  <a:srgbClr val="FF0000"/>
+                </a:solidFill>
+              </a:rPr>
+              <a:t>Troe</a:t>
+            </a:r>
+            <a:r>
+              <a:rPr lang="en-US" b="1" dirty="0">
+                <a:solidFill>
+                  <a:srgbClr val="FF0000"/>
+                </a:solidFill>
+              </a:rPr>
+              <a:t> formula)</a:t>
+            </a:r>
+          </a:p>
+          <a:p>
+            <a:pPr lvl="1"/>
+            <a:r>
+              <a:rPr lang="en-US" b="1" dirty="0">
+                <a:solidFill>
+                  <a:srgbClr val="FF0000"/>
+                </a:solidFill>
+              </a:rPr>
+              <a:t>Construction the mechanism using rate parameters with uncertainty on A, n and E</a:t>
+            </a:r>
+          </a:p>
+          <a:p>
+            <a:pPr lvl="1"/>
+            <a:r>
+              <a:rPr lang="en-US" b="1" dirty="0">
+                <a:solidFill>
+                  <a:srgbClr val="FF0000"/>
+                </a:solidFill>
+              </a:rPr>
+              <a:t>Simulations against experimental speciation time history profile to further refine the mechanism with MUM-PCE. A reinterpret the experiments with new understanding.</a:t>
+            </a:r>
+          </a:p>
+          <a:p>
+            <a:r>
+              <a:rPr lang="en-US" b="1" dirty="0">
+                <a:solidFill>
+                  <a:srgbClr val="FF0000"/>
+                </a:solidFill>
+              </a:rPr>
+              <a:t>Main advantages: 1) free of personal preference/bias. Objective and automated. 2) robust statistical base and can evolve with new data flowing in</a:t>
+            </a:r>
+          </a:p>
+        </p:txBody>
+      </p:sp>
     </p:spTree>
     <p:extLst>
       <p:ext uri="{BB962C8B-B14F-4D97-AF65-F5344CB8AC3E}">
@@ -4258,78 +3795,613 @@
       </p:grpSpPr>
       <p:sp>
         <p:nvSpPr>
-          <p:cNvPr id="2" name="Title 1"/>
-          <p:cNvSpPr>
-            <a:spLocks noGrp="1"/>
-          </p:cNvSpPr>
-          <p:nvPr>
-            <p:ph type="title"/>
-          </p:nvPr>
-        </p:nvSpPr>
-        <p:spPr>
-          <a:xfrm>
-            <a:off x="838200" y="365125"/>
-            <a:ext cx="10515600" cy="885207"/>
-          </a:xfrm>
-        </p:spPr>
-        <p:txBody>
-          <a:bodyPr>
-            <a:normAutofit fontScale="90000"/>
-          </a:bodyPr>
-          <a:lstStyle/>
-          <a:p>
-            <a:pPr algn="ctr"/>
-            <a:r>
-              <a:rPr lang="en-US" dirty="0"/>
-              <a:t>Rate evaluation example: H + O</a:t>
-            </a:r>
-            <a:r>
-              <a:rPr lang="en-US" baseline="-25000" dirty="0"/>
-              <a:t>2</a:t>
-            </a:r>
-            <a:r>
-              <a:rPr lang="en-US" dirty="0"/>
-              <a:t> = O + OH reaction</a:t>
-            </a:r>
-          </a:p>
-        </p:txBody>
-      </p:sp>
-      <p:pic>
-        <p:nvPicPr>
-          <p:cNvPr id="16" name="Picture 15">
+          <p:cNvPr id="2" name="Title 1">
             <a:extLst>
               <a:ext uri="{FF2B5EF4-FFF2-40B4-BE49-F238E27FC236}">
-                <a16:creationId xmlns:a16="http://schemas.microsoft.com/office/drawing/2014/main" id="{79EC7D85-16CC-DE45-88FC-B76E23126D0C}"/>
+                <a16:creationId xmlns:a16="http://schemas.microsoft.com/office/drawing/2014/main" id="{E457E8C3-8490-44DF-B860-1DD9E42F7765}"/>
               </a:ext>
             </a:extLst>
           </p:cNvPr>
-          <p:cNvPicPr>
-            <a:picLocks noChangeAspect="1"/>
-          </p:cNvPicPr>
-          <p:nvPr/>
-        </p:nvPicPr>
-        <p:blipFill>
-          <a:blip r:embed="rId2"/>
-          <a:stretch>
-            <a:fillRect/>
-          </a:stretch>
-        </p:blipFill>
-        <p:spPr>
-          <a:xfrm>
-            <a:off x="532426" y="2438438"/>
-            <a:ext cx="5525475" cy="3809229"/>
-          </a:xfrm>
-          <a:prstGeom prst="rect">
-            <a:avLst/>
-          </a:prstGeom>
-        </p:spPr>
-      </p:pic>
+          <p:cNvSpPr>
+            <a:spLocks noGrp="1"/>
+          </p:cNvSpPr>
+          <p:nvPr>
+            <p:ph type="title"/>
+          </p:nvPr>
+        </p:nvSpPr>
+        <p:spPr/>
+        <p:txBody>
+          <a:bodyPr>
+            <a:normAutofit/>
+          </a:bodyPr>
+          <a:lstStyle/>
+          <a:p>
+            <a:r>
+              <a:rPr lang="en-US" sz="4800" dirty="0"/>
+              <a:t>Weighted average and least square fitting</a:t>
+            </a:r>
+          </a:p>
+        </p:txBody>
+      </p:sp>
+      <mc:AlternateContent xmlns:mc="http://schemas.openxmlformats.org/markup-compatibility/2006" xmlns:a14="http://schemas.microsoft.com/office/drawing/2010/main">
+        <mc:Choice Requires="a14">
+          <p:sp>
+            <p:nvSpPr>
+              <p:cNvPr id="3" name="Content Placeholder 2">
+                <a:extLst>
+                  <a:ext uri="{FF2B5EF4-FFF2-40B4-BE49-F238E27FC236}">
+                    <a16:creationId xmlns:a16="http://schemas.microsoft.com/office/drawing/2014/main" id="{B5AE18B5-E375-4E59-A3F1-69EB1EAB4A76}"/>
+                  </a:ext>
+                </a:extLst>
+              </p:cNvPr>
+              <p:cNvSpPr>
+                <a:spLocks noGrp="1"/>
+              </p:cNvSpPr>
+              <p:nvPr>
+                <p:ph idx="1"/>
+              </p:nvPr>
+            </p:nvSpPr>
+            <p:spPr>
+              <a:xfrm>
+                <a:off x="838200" y="1574159"/>
+                <a:ext cx="10515600" cy="4537216"/>
+              </a:xfrm>
+            </p:spPr>
+            <p:txBody>
+              <a:bodyPr>
+                <a:normAutofit fontScale="62500" lnSpcReduction="20000"/>
+              </a:bodyPr>
+              <a:lstStyle/>
+              <a:p>
+                <a:r>
+                  <a:rPr lang="en-US" sz="2600" dirty="0"/>
+                  <a:t>Weighted average of each data at specific temperature and pressure (maximum likelihood principle)</a:t>
+                </a:r>
+              </a:p>
+              <a:p>
+                <a:endParaRPr lang="en-US" dirty="0"/>
+              </a:p>
+              <a:p>
+                <a:pPr marL="0" indent="0">
+                  <a:buNone/>
+                </a:pPr>
+                <a:endParaRPr lang="en-US" dirty="0"/>
+              </a:p>
+              <a:p>
+                <a:r>
+                  <a:rPr lang="en-US" sz="2600" dirty="0"/>
+                  <a:t>The blue circle with black error bar in figure on left side are weighted average experimental data vs 10000/T.  Figure on right side are experimental with uncertainty from various sources. (Slide 4 and after)</a:t>
+                </a:r>
+              </a:p>
+              <a:p>
+                <a:r>
+                  <a:rPr lang="en-US" sz="2600" dirty="0"/>
+                  <a:t>Weighted least square fitting (WLS) of the evaluated experimental rates to produce Arrhenius parameters and fitting uncertainty. First rearrange Arrhenius equation as the following to almost linear vs 10000/T:</a:t>
+                </a:r>
+              </a:p>
+              <a:p>
+                <a:pPr lvl="1"/>
+                <a14:m>
+                  <m:oMath xmlns:m="http://schemas.openxmlformats.org/officeDocument/2006/math">
+                    <m:r>
+                      <a:rPr lang="en-US" sz="2200" b="0" i="1" smtClean="0">
+                        <a:latin typeface="Cambria Math" panose="02040503050406030204" pitchFamily="18" charset="0"/>
+                      </a:rPr>
+                      <m:t>𝑘</m:t>
+                    </m:r>
+                    <m:r>
+                      <a:rPr lang="en-US" sz="2200" b="0" i="1" smtClean="0">
+                        <a:latin typeface="Cambria Math" panose="02040503050406030204" pitchFamily="18" charset="0"/>
+                      </a:rPr>
+                      <m:t>=</m:t>
+                    </m:r>
+                    <m:r>
+                      <a:rPr lang="en-US" sz="2200" b="0" i="1" smtClean="0">
+                        <a:latin typeface="Cambria Math" panose="02040503050406030204" pitchFamily="18" charset="0"/>
+                      </a:rPr>
+                      <m:t>𝐴</m:t>
+                    </m:r>
+                    <m:r>
+                      <a:rPr lang="en-US" sz="2200" b="0" i="1" smtClean="0">
+                        <a:latin typeface="Cambria Math" panose="02040503050406030204" pitchFamily="18" charset="0"/>
+                        <a:ea typeface="Cambria Math" panose="02040503050406030204" pitchFamily="18" charset="0"/>
+                      </a:rPr>
+                      <m:t>×</m:t>
+                    </m:r>
+                    <m:sSup>
+                      <m:sSupPr>
+                        <m:ctrlPr>
+                          <a:rPr lang="en-US" sz="2200" b="0" i="1" smtClean="0">
+                            <a:latin typeface="Cambria Math" panose="02040503050406030204" pitchFamily="18" charset="0"/>
+                            <a:ea typeface="Cambria Math" panose="02040503050406030204" pitchFamily="18" charset="0"/>
+                          </a:rPr>
+                        </m:ctrlPr>
+                      </m:sSupPr>
+                      <m:e>
+                        <m:f>
+                          <m:fPr>
+                            <m:ctrlPr>
+                              <a:rPr lang="en-US" sz="2200" i="1">
+                                <a:latin typeface="Cambria Math" panose="02040503050406030204" pitchFamily="18" charset="0"/>
+                                <a:ea typeface="Cambria Math" panose="02040503050406030204" pitchFamily="18" charset="0"/>
+                              </a:rPr>
+                            </m:ctrlPr>
+                          </m:fPr>
+                          <m:num>
+                            <m:r>
+                              <a:rPr lang="en-US" sz="2200" i="1">
+                                <a:latin typeface="Cambria Math" panose="02040503050406030204" pitchFamily="18" charset="0"/>
+                                <a:ea typeface="Cambria Math" panose="02040503050406030204" pitchFamily="18" charset="0"/>
+                              </a:rPr>
+                              <m:t>𝑇</m:t>
+                            </m:r>
+                          </m:num>
+                          <m:den>
+                            <m:r>
+                              <a:rPr lang="en-US" sz="2200" i="1">
+                                <a:latin typeface="Cambria Math" panose="02040503050406030204" pitchFamily="18" charset="0"/>
+                                <a:ea typeface="Cambria Math" panose="02040503050406030204" pitchFamily="18" charset="0"/>
+                              </a:rPr>
+                              <m:t>298</m:t>
+                            </m:r>
+                          </m:den>
+                        </m:f>
+                      </m:e>
+                      <m:sup>
+                        <m:r>
+                          <a:rPr lang="en-US" sz="2200" b="0" i="1" smtClean="0">
+                            <a:latin typeface="Cambria Math" panose="02040503050406030204" pitchFamily="18" charset="0"/>
+                            <a:ea typeface="Cambria Math" panose="02040503050406030204" pitchFamily="18" charset="0"/>
+                          </a:rPr>
+                          <m:t>𝑛</m:t>
+                        </m:r>
+                      </m:sup>
+                    </m:sSup>
+                    <m:r>
+                      <m:rPr>
+                        <m:sty m:val="p"/>
+                      </m:rPr>
+                      <a:rPr lang="en-US" sz="2200" b="0" i="0" smtClean="0">
+                        <a:latin typeface="Cambria Math" panose="02040503050406030204" pitchFamily="18" charset="0"/>
+                        <a:ea typeface="Cambria Math" panose="02040503050406030204" pitchFamily="18" charset="0"/>
+                      </a:rPr>
+                      <m:t>exp</m:t>
+                    </m:r>
+                    <m:r>
+                      <a:rPr lang="en-US" sz="2200" b="0" i="1" smtClean="0">
+                        <a:latin typeface="Cambria Math" panose="02040503050406030204" pitchFamily="18" charset="0"/>
+                        <a:ea typeface="Cambria Math" panose="02040503050406030204" pitchFamily="18" charset="0"/>
+                      </a:rPr>
+                      <m:t>⁡(−</m:t>
+                    </m:r>
+                    <m:f>
+                      <m:fPr>
+                        <m:ctrlPr>
+                          <a:rPr lang="en-US" sz="2200" b="0" i="1" smtClean="0">
+                            <a:latin typeface="Cambria Math" panose="02040503050406030204" pitchFamily="18" charset="0"/>
+                            <a:ea typeface="Cambria Math" panose="02040503050406030204" pitchFamily="18" charset="0"/>
+                          </a:rPr>
+                        </m:ctrlPr>
+                      </m:fPr>
+                      <m:num>
+                        <m:r>
+                          <a:rPr lang="en-US" sz="2200" b="0" i="1" smtClean="0">
+                            <a:latin typeface="Cambria Math" panose="02040503050406030204" pitchFamily="18" charset="0"/>
+                            <a:ea typeface="Cambria Math" panose="02040503050406030204" pitchFamily="18" charset="0"/>
+                          </a:rPr>
+                          <m:t>𝐸</m:t>
+                        </m:r>
+                      </m:num>
+                      <m:den>
+                        <m:r>
+                          <a:rPr lang="en-US" sz="2200" b="0" i="1" smtClean="0">
+                            <a:latin typeface="Cambria Math" panose="02040503050406030204" pitchFamily="18" charset="0"/>
+                            <a:ea typeface="Cambria Math" panose="02040503050406030204" pitchFamily="18" charset="0"/>
+                          </a:rPr>
+                          <m:t>𝑅𝑇</m:t>
+                        </m:r>
+                      </m:den>
+                    </m:f>
+                    <m:r>
+                      <a:rPr lang="en-US" sz="2200" b="0" i="1" smtClean="0">
+                        <a:latin typeface="Cambria Math" panose="02040503050406030204" pitchFamily="18" charset="0"/>
+                        <a:ea typeface="Cambria Math" panose="02040503050406030204" pitchFamily="18" charset="0"/>
+                      </a:rPr>
+                      <m:t>) </m:t>
+                    </m:r>
+                  </m:oMath>
+                </a14:m>
+                <a:r>
+                  <a:rPr lang="en-US" sz="2200" dirty="0"/>
+                  <a:t> </a:t>
+                </a:r>
+                <a:r>
+                  <a:rPr lang="en-US" sz="2200" dirty="0">
+                    <a:sym typeface="Wingdings" panose="05000000000000000000" pitchFamily="2" charset="2"/>
+                  </a:rPr>
+                  <a:t> </a:t>
+                </a:r>
+                <a14:m>
+                  <m:oMath xmlns:m="http://schemas.openxmlformats.org/officeDocument/2006/math">
+                    <m:r>
+                      <a:rPr lang="en-US" sz="2200" b="0" i="1" smtClean="0">
+                        <a:latin typeface="Cambria Math" panose="02040503050406030204" pitchFamily="18" charset="0"/>
+                        <a:sym typeface="Wingdings" panose="05000000000000000000" pitchFamily="2" charset="2"/>
+                      </a:rPr>
+                      <m:t>𝑙𝑛𝑘</m:t>
+                    </m:r>
+                    <m:r>
+                      <a:rPr lang="en-US" sz="2200" b="0" i="1" smtClean="0">
+                        <a:latin typeface="Cambria Math" panose="02040503050406030204" pitchFamily="18" charset="0"/>
+                        <a:sym typeface="Wingdings" panose="05000000000000000000" pitchFamily="2" charset="2"/>
+                      </a:rPr>
+                      <m:t>=</m:t>
+                    </m:r>
+                    <m:r>
+                      <a:rPr lang="en-US" sz="2200" b="0" i="1" smtClean="0">
+                        <a:latin typeface="Cambria Math" panose="02040503050406030204" pitchFamily="18" charset="0"/>
+                        <a:sym typeface="Wingdings" panose="05000000000000000000" pitchFamily="2" charset="2"/>
+                      </a:rPr>
+                      <m:t>𝑙𝑛𝐴</m:t>
+                    </m:r>
+                    <m:r>
+                      <a:rPr lang="en-US" sz="2200" b="0" i="1" smtClean="0">
+                        <a:latin typeface="Cambria Math" panose="02040503050406030204" pitchFamily="18" charset="0"/>
+                        <a:sym typeface="Wingdings" panose="05000000000000000000" pitchFamily="2" charset="2"/>
+                      </a:rPr>
+                      <m:t> −</m:t>
+                    </m:r>
+                    <m:r>
+                      <a:rPr lang="en-US" sz="2200" b="0" i="1" smtClean="0">
+                        <a:latin typeface="Cambria Math" panose="02040503050406030204" pitchFamily="18" charset="0"/>
+                        <a:sym typeface="Wingdings" panose="05000000000000000000" pitchFamily="2" charset="2"/>
+                      </a:rPr>
+                      <m:t>𝑛</m:t>
+                    </m:r>
+                    <m:r>
+                      <a:rPr lang="en-US" sz="2200" b="0" i="1" smtClean="0">
+                        <a:latin typeface="Cambria Math" panose="02040503050406030204" pitchFamily="18" charset="0"/>
+                        <a:ea typeface="Cambria Math" panose="02040503050406030204" pitchFamily="18" charset="0"/>
+                        <a:sym typeface="Wingdings" panose="05000000000000000000" pitchFamily="2" charset="2"/>
+                      </a:rPr>
+                      <m:t>×</m:t>
+                    </m:r>
+                    <m:func>
+                      <m:funcPr>
+                        <m:ctrlPr>
+                          <a:rPr lang="en-US" sz="2200" b="0" i="1" smtClean="0">
+                            <a:latin typeface="Cambria Math" panose="02040503050406030204" pitchFamily="18" charset="0"/>
+                            <a:sym typeface="Wingdings" panose="05000000000000000000" pitchFamily="2" charset="2"/>
+                          </a:rPr>
+                        </m:ctrlPr>
+                      </m:funcPr>
+                      <m:fName>
+                        <m:r>
+                          <m:rPr>
+                            <m:sty m:val="p"/>
+                          </m:rPr>
+                          <a:rPr lang="en-US" sz="2200" b="0" i="0" smtClean="0">
+                            <a:latin typeface="Cambria Math" panose="02040503050406030204" pitchFamily="18" charset="0"/>
+                            <a:sym typeface="Wingdings" panose="05000000000000000000" pitchFamily="2" charset="2"/>
+                          </a:rPr>
+                          <m:t>ln</m:t>
+                        </m:r>
+                      </m:fName>
+                      <m:e>
+                        <m:d>
+                          <m:dPr>
+                            <m:ctrlPr>
+                              <a:rPr lang="en-US" sz="2200" b="0" i="1" smtClean="0">
+                                <a:latin typeface="Cambria Math" panose="02040503050406030204" pitchFamily="18" charset="0"/>
+                                <a:sym typeface="Wingdings" panose="05000000000000000000" pitchFamily="2" charset="2"/>
+                              </a:rPr>
+                            </m:ctrlPr>
+                          </m:dPr>
+                          <m:e>
+                            <m:f>
+                              <m:fPr>
+                                <m:ctrlPr>
+                                  <a:rPr lang="en-US" sz="2200" i="1">
+                                    <a:latin typeface="Cambria Math" panose="02040503050406030204" pitchFamily="18" charset="0"/>
+                                    <a:ea typeface="Cambria Math" panose="02040503050406030204" pitchFamily="18" charset="0"/>
+                                    <a:sym typeface="Wingdings" panose="05000000000000000000" pitchFamily="2" charset="2"/>
+                                  </a:rPr>
+                                </m:ctrlPr>
+                              </m:fPr>
+                              <m:num>
+                                <m:r>
+                                  <a:rPr lang="en-US" sz="2200" i="1">
+                                    <a:latin typeface="Cambria Math" panose="02040503050406030204" pitchFamily="18" charset="0"/>
+                                    <a:ea typeface="Cambria Math" panose="02040503050406030204" pitchFamily="18" charset="0"/>
+                                    <a:sym typeface="Wingdings" panose="05000000000000000000" pitchFamily="2" charset="2"/>
+                                  </a:rPr>
+                                  <m:t>10000</m:t>
+                                </m:r>
+                              </m:num>
+                              <m:den>
+                                <m:r>
+                                  <a:rPr lang="en-US" sz="2200" i="1">
+                                    <a:latin typeface="Cambria Math" panose="02040503050406030204" pitchFamily="18" charset="0"/>
+                                    <a:ea typeface="Cambria Math" panose="02040503050406030204" pitchFamily="18" charset="0"/>
+                                    <a:sym typeface="Wingdings" panose="05000000000000000000" pitchFamily="2" charset="2"/>
+                                  </a:rPr>
+                                  <m:t>𝑇</m:t>
+                                </m:r>
+                              </m:den>
+                            </m:f>
+                          </m:e>
+                        </m:d>
+                      </m:e>
+                    </m:func>
+                    <m:r>
+                      <a:rPr lang="en-US" sz="2200" b="0" i="1" smtClean="0">
+                        <a:latin typeface="Cambria Math" panose="02040503050406030204" pitchFamily="18" charset="0"/>
+                        <a:sym typeface="Wingdings" panose="05000000000000000000" pitchFamily="2" charset="2"/>
+                      </a:rPr>
+                      <m:t>−</m:t>
+                    </m:r>
+                    <m:r>
+                      <a:rPr lang="en-US" sz="2200" b="0" i="1" smtClean="0">
+                        <a:latin typeface="Cambria Math" panose="02040503050406030204" pitchFamily="18" charset="0"/>
+                        <a:sym typeface="Wingdings" panose="05000000000000000000" pitchFamily="2" charset="2"/>
+                      </a:rPr>
+                      <m:t>𝑛</m:t>
+                    </m:r>
+                    <m:r>
+                      <a:rPr lang="en-US" sz="2200" b="0" i="1" smtClean="0">
+                        <a:latin typeface="Cambria Math" panose="02040503050406030204" pitchFamily="18" charset="0"/>
+                        <a:ea typeface="Cambria Math" panose="02040503050406030204" pitchFamily="18" charset="0"/>
+                        <a:sym typeface="Wingdings" panose="05000000000000000000" pitchFamily="2" charset="2"/>
+                      </a:rPr>
+                      <m:t>×</m:t>
+                    </m:r>
+                    <m:func>
+                      <m:funcPr>
+                        <m:ctrlPr>
+                          <a:rPr lang="en-US" sz="2200" b="0" i="1" smtClean="0">
+                            <a:latin typeface="Cambria Math" panose="02040503050406030204" pitchFamily="18" charset="0"/>
+                            <a:sym typeface="Wingdings" panose="05000000000000000000" pitchFamily="2" charset="2"/>
+                          </a:rPr>
+                        </m:ctrlPr>
+                      </m:funcPr>
+                      <m:fName>
+                        <m:r>
+                          <m:rPr>
+                            <m:sty m:val="p"/>
+                          </m:rPr>
+                          <a:rPr lang="en-US" sz="2200" b="0" i="0" smtClean="0">
+                            <a:latin typeface="Cambria Math" panose="02040503050406030204" pitchFamily="18" charset="0"/>
+                            <a:sym typeface="Wingdings" panose="05000000000000000000" pitchFamily="2" charset="2"/>
+                          </a:rPr>
+                          <m:t>ln</m:t>
+                        </m:r>
+                      </m:fName>
+                      <m:e>
+                        <m:d>
+                          <m:dPr>
+                            <m:ctrlPr>
+                              <a:rPr lang="en-US" sz="2200" b="0" i="1" smtClean="0">
+                                <a:latin typeface="Cambria Math" panose="02040503050406030204" pitchFamily="18" charset="0"/>
+                                <a:sym typeface="Wingdings" panose="05000000000000000000" pitchFamily="2" charset="2"/>
+                              </a:rPr>
+                            </m:ctrlPr>
+                          </m:dPr>
+                          <m:e>
+                            <m:f>
+                              <m:fPr>
+                                <m:ctrlPr>
+                                  <a:rPr lang="en-US" sz="2200" b="0" i="1" smtClean="0">
+                                    <a:latin typeface="Cambria Math" panose="02040503050406030204" pitchFamily="18" charset="0"/>
+                                    <a:sym typeface="Wingdings" panose="05000000000000000000" pitchFamily="2" charset="2"/>
+                                  </a:rPr>
+                                </m:ctrlPr>
+                              </m:fPr>
+                              <m:num>
+                                <m:r>
+                                  <a:rPr lang="en-US" sz="2200" b="0" i="1" smtClean="0">
+                                    <a:latin typeface="Cambria Math" panose="02040503050406030204" pitchFamily="18" charset="0"/>
+                                    <a:sym typeface="Wingdings" panose="05000000000000000000" pitchFamily="2" charset="2"/>
+                                  </a:rPr>
+                                  <m:t>298</m:t>
+                                </m:r>
+                              </m:num>
+                              <m:den>
+                                <m:r>
+                                  <a:rPr lang="en-US" sz="2200" b="0" i="1" smtClean="0">
+                                    <a:latin typeface="Cambria Math" panose="02040503050406030204" pitchFamily="18" charset="0"/>
+                                    <a:sym typeface="Wingdings" panose="05000000000000000000" pitchFamily="2" charset="2"/>
+                                  </a:rPr>
+                                  <m:t>10000</m:t>
+                                </m:r>
+                              </m:den>
+                            </m:f>
+                          </m:e>
+                        </m:d>
+                      </m:e>
+                    </m:func>
+                    <m:r>
+                      <a:rPr lang="en-US" sz="2200" b="0" i="1" smtClean="0">
+                        <a:latin typeface="Cambria Math" panose="02040503050406030204" pitchFamily="18" charset="0"/>
+                        <a:sym typeface="Wingdings" panose="05000000000000000000" pitchFamily="2" charset="2"/>
+                      </a:rPr>
+                      <m:t>−</m:t>
+                    </m:r>
+                    <m:f>
+                      <m:fPr>
+                        <m:ctrlPr>
+                          <a:rPr lang="en-US" sz="2200" b="0" i="1" smtClean="0">
+                            <a:latin typeface="Cambria Math" panose="02040503050406030204" pitchFamily="18" charset="0"/>
+                            <a:sym typeface="Wingdings" panose="05000000000000000000" pitchFamily="2" charset="2"/>
+                          </a:rPr>
+                        </m:ctrlPr>
+                      </m:fPr>
+                      <m:num>
+                        <m:r>
+                          <a:rPr lang="en-US" sz="2200" b="0" i="1" smtClean="0">
+                            <a:latin typeface="Cambria Math" panose="02040503050406030204" pitchFamily="18" charset="0"/>
+                            <a:sym typeface="Wingdings" panose="05000000000000000000" pitchFamily="2" charset="2"/>
+                          </a:rPr>
+                          <m:t>𝐸</m:t>
+                        </m:r>
+                      </m:num>
+                      <m:den>
+                        <m:r>
+                          <a:rPr lang="en-US" sz="2200" b="0" i="1" smtClean="0">
+                            <a:latin typeface="Cambria Math" panose="02040503050406030204" pitchFamily="18" charset="0"/>
+                            <a:sym typeface="Wingdings" panose="05000000000000000000" pitchFamily="2" charset="2"/>
+                          </a:rPr>
+                          <m:t>𝑅</m:t>
+                        </m:r>
+                      </m:den>
+                    </m:f>
+                    <m:r>
+                      <a:rPr lang="en-US" sz="2200" b="0" i="1" smtClean="0">
+                        <a:latin typeface="Cambria Math" panose="02040503050406030204" pitchFamily="18" charset="0"/>
+                        <a:ea typeface="Cambria Math" panose="02040503050406030204" pitchFamily="18" charset="0"/>
+                        <a:sym typeface="Wingdings" panose="05000000000000000000" pitchFamily="2" charset="2"/>
+                      </a:rPr>
+                      <m:t>×</m:t>
+                    </m:r>
+                    <m:f>
+                      <m:fPr>
+                        <m:ctrlPr>
+                          <a:rPr lang="en-US" sz="2200" b="0" i="1" smtClean="0">
+                            <a:latin typeface="Cambria Math" panose="02040503050406030204" pitchFamily="18" charset="0"/>
+                            <a:ea typeface="Cambria Math" panose="02040503050406030204" pitchFamily="18" charset="0"/>
+                            <a:sym typeface="Wingdings" panose="05000000000000000000" pitchFamily="2" charset="2"/>
+                          </a:rPr>
+                        </m:ctrlPr>
+                      </m:fPr>
+                      <m:num>
+                        <m:r>
+                          <a:rPr lang="en-US" sz="2200" b="0" i="1" smtClean="0">
+                            <a:latin typeface="Cambria Math" panose="02040503050406030204" pitchFamily="18" charset="0"/>
+                            <a:ea typeface="Cambria Math" panose="02040503050406030204" pitchFamily="18" charset="0"/>
+                            <a:sym typeface="Wingdings" panose="05000000000000000000" pitchFamily="2" charset="2"/>
+                          </a:rPr>
+                          <m:t>10000</m:t>
+                        </m:r>
+                      </m:num>
+                      <m:den>
+                        <m:r>
+                          <a:rPr lang="en-US" sz="2200" b="0" i="1" smtClean="0">
+                            <a:latin typeface="Cambria Math" panose="02040503050406030204" pitchFamily="18" charset="0"/>
+                            <a:ea typeface="Cambria Math" panose="02040503050406030204" pitchFamily="18" charset="0"/>
+                            <a:sym typeface="Wingdings" panose="05000000000000000000" pitchFamily="2" charset="2"/>
+                          </a:rPr>
+                          <m:t>𝑇</m:t>
+                        </m:r>
+                      </m:den>
+                    </m:f>
+                  </m:oMath>
+                </a14:m>
+                <a:endParaRPr lang="en-US" sz="2200" b="0" dirty="0">
+                  <a:ea typeface="Cambria Math" panose="02040503050406030204" pitchFamily="18" charset="0"/>
+                  <a:sym typeface="Wingdings" panose="05000000000000000000" pitchFamily="2" charset="2"/>
+                </a:endParaRPr>
+              </a:p>
+              <a:p>
+                <a:pPr lvl="1"/>
+                <a:r>
+                  <a:rPr lang="en-US" sz="2200" dirty="0"/>
+                  <a:t>For linear form, the regression process can be noted as the following:</a:t>
+                </a:r>
+                <a:endParaRPr lang="en-US" sz="2200" dirty="0">
+                  <a:sym typeface="Wingdings" panose="05000000000000000000" pitchFamily="2" charset="2"/>
+                </a:endParaRPr>
+              </a:p>
+              <a:p>
+                <a:endParaRPr lang="en-US" dirty="0">
+                  <a:sym typeface="Wingdings" panose="05000000000000000000" pitchFamily="2" charset="2"/>
+                </a:endParaRPr>
+              </a:p>
+              <a:p>
+                <a:pPr marL="0" indent="0">
+                  <a:buNone/>
+                </a:pPr>
+                <a:endParaRPr lang="en-US" dirty="0">
+                  <a:sym typeface="Wingdings" panose="05000000000000000000" pitchFamily="2" charset="2"/>
+                </a:endParaRPr>
+              </a:p>
+              <a:p>
+                <a:endParaRPr lang="en-US" dirty="0">
+                  <a:sym typeface="Wingdings" panose="05000000000000000000" pitchFamily="2" charset="2"/>
+                </a:endParaRPr>
+              </a:p>
+              <a:p>
+                <a:r>
+                  <a:rPr lang="en-US" sz="2600" dirty="0">
+                    <a:sym typeface="Wingdings" panose="05000000000000000000" pitchFamily="2" charset="2"/>
+                  </a:rPr>
+                  <a:t>The </a:t>
+                </a:r>
+                <a:r>
+                  <a:rPr lang="en-US" sz="2600" dirty="0"/>
+                  <a:t>red dash line (in left figure) and A, n, E with uncertainty are output of the fitting. Ideally, we would like to see the redline right on the blue circles and no certainty from the fitting.</a:t>
+                </a:r>
+              </a:p>
+              <a:p>
+                <a:r>
+                  <a:rPr lang="en-US" sz="2600" dirty="0"/>
+                  <a:t>The reported uncertainty of each Arrhenius parameters  is the combination of fitting uncertainty and evaluated experimental uncertainty at each condition ( A highlighted with red in upper middle of slide)</a:t>
+                </a:r>
+              </a:p>
+              <a:p>
+                <a:endParaRPr lang="en-US" dirty="0"/>
+              </a:p>
+            </p:txBody>
+          </p:sp>
+        </mc:Choice>
+        <mc:Fallback xmlns="">
+          <p:sp>
+            <p:nvSpPr>
+              <p:cNvPr id="3" name="Content Placeholder 2">
+                <a:extLst>
+                  <a:ext uri="{FF2B5EF4-FFF2-40B4-BE49-F238E27FC236}">
+                    <a16:creationId xmlns:a16="http://schemas.microsoft.com/office/drawing/2014/main" id="{B5AE18B5-E375-4E59-A3F1-69EB1EAB4A76}"/>
+                  </a:ext>
+                </a:extLst>
+              </p:cNvPr>
+              <p:cNvSpPr>
+                <a:spLocks noGrp="1" noRot="1" noChangeAspect="1" noMove="1" noResize="1" noEditPoints="1" noAdjustHandles="1" noChangeArrowheads="1" noChangeShapeType="1" noTextEdit="1"/>
+              </p:cNvSpPr>
+              <p:nvPr>
+                <p:ph idx="1"/>
+              </p:nvPr>
+            </p:nvSpPr>
+            <p:spPr>
+              <a:xfrm>
+                <a:off x="838200" y="1574159"/>
+                <a:ext cx="10515600" cy="4537216"/>
+              </a:xfrm>
+              <a:blipFill>
+                <a:blip r:embed="rId2"/>
+                <a:stretch>
+                  <a:fillRect l="-232" t="-1745"/>
+                </a:stretch>
+              </a:blipFill>
+            </p:spPr>
+            <p:txBody>
+              <a:bodyPr/>
+              <a:lstStyle/>
+              <a:p>
+                <a:r>
+                  <a:rPr lang="en-US">
+                    <a:noFill/>
+                  </a:rPr>
+                  <a:t> </a:t>
+                </a:r>
+              </a:p>
+            </p:txBody>
+          </p:sp>
+        </mc:Fallback>
+      </mc:AlternateContent>
       <p:pic>
         <p:nvPicPr>
-          <p:cNvPr id="20" name="Picture 19">
+          <p:cNvPr id="8" name="Picture 7">
             <a:extLst>
               <a:ext uri="{FF2B5EF4-FFF2-40B4-BE49-F238E27FC236}">
-                <a16:creationId xmlns:a16="http://schemas.microsoft.com/office/drawing/2014/main" id="{FD0818CD-F67E-1948-B00A-3ABA7C89E907}"/>
+                <a16:creationId xmlns:a16="http://schemas.microsoft.com/office/drawing/2014/main" id="{12735551-E95D-41F5-A1C3-638E53F32DFF}"/>
               </a:ext>
             </a:extLst>
           </p:cNvPr>
@@ -4346,88 +4418,168 @@
         </p:blipFill>
         <p:spPr>
           <a:xfrm>
-            <a:off x="6057901" y="2438438"/>
-            <a:ext cx="5536557" cy="3816869"/>
+            <a:off x="4378366" y="1943488"/>
+            <a:ext cx="1628896" cy="470688"/>
           </a:xfrm>
           <a:prstGeom prst="rect">
             <a:avLst/>
           </a:prstGeom>
         </p:spPr>
       </p:pic>
-      <p:sp>
-        <p:nvSpPr>
-          <p:cNvPr id="3" name="TextBox 2">
+      <p:pic>
+        <p:nvPicPr>
+          <p:cNvPr id="12" name="Picture 11">
             <a:extLst>
               <a:ext uri="{FF2B5EF4-FFF2-40B4-BE49-F238E27FC236}">
-                <a16:creationId xmlns:a16="http://schemas.microsoft.com/office/drawing/2014/main" id="{DC96C2CF-5C4B-4C88-B5E9-7EA02E03C7DB}"/>
+                <a16:creationId xmlns:a16="http://schemas.microsoft.com/office/drawing/2014/main" id="{9B55EBCB-9C2E-4F06-A0B2-AA0EC182D9CD}"/>
               </a:ext>
             </a:extLst>
           </p:cNvPr>
-          <p:cNvSpPr txBox="1"/>
+          <p:cNvPicPr>
+            <a:picLocks noChangeAspect="1"/>
+          </p:cNvPicPr>
           <p:nvPr/>
-        </p:nvSpPr>
+        </p:nvPicPr>
+        <p:blipFill>
+          <a:blip r:embed="rId4"/>
+          <a:stretch>
+            <a:fillRect/>
+          </a:stretch>
+        </p:blipFill>
         <p:spPr>
           <a:xfrm>
-            <a:off x="3125165" y="1334947"/>
-            <a:ext cx="4799635" cy="923330"/>
+            <a:off x="2413323" y="1882928"/>
+            <a:ext cx="1726556" cy="531248"/>
           </a:xfrm>
           <a:prstGeom prst="rect">
             <a:avLst/>
           </a:prstGeom>
-          <a:noFill/>
         </p:spPr>
-        <p:txBody>
-          <a:bodyPr wrap="square" rtlCol="0">
-            <a:spAutoFit/>
-          </a:bodyPr>
-          <a:lstStyle/>
-          <a:p>
-            <a:r>
-              <a:rPr lang="en-US" dirty="0">
-                <a:latin typeface="Times New Roman" panose="02020603050405020304" pitchFamily="18" charset="0"/>
-                <a:cs typeface="Times New Roman" panose="02020603050405020304" pitchFamily="18" charset="0"/>
-              </a:rPr>
-              <a:t>A: 	1.27(±0.12)E-09 	cm3/molecule/s</a:t>
-            </a:r>
-          </a:p>
-          <a:p>
-            <a:r>
-              <a:rPr lang="en-US" dirty="0">
-                <a:latin typeface="Times New Roman" panose="02020603050405020304" pitchFamily="18" charset="0"/>
-                <a:cs typeface="Times New Roman" panose="02020603050405020304" pitchFamily="18" charset="0"/>
-              </a:rPr>
-              <a:t>n: 	-0.708 (±0.033)</a:t>
-            </a:r>
-          </a:p>
-          <a:p>
-            <a:r>
-              <a:rPr lang="en-US" dirty="0">
-                <a:latin typeface="Times New Roman" panose="02020603050405020304" pitchFamily="18" charset="0"/>
-                <a:cs typeface="Times New Roman" panose="02020603050405020304" pitchFamily="18" charset="0"/>
-              </a:rPr>
-              <a:t>E: 	74.20(±0.5) 	</a:t>
-            </a:r>
-            <a:r>
-              <a:rPr lang="en-US" dirty="0" err="1">
-                <a:latin typeface="Times New Roman" panose="02020603050405020304" pitchFamily="18" charset="0"/>
-                <a:cs typeface="Times New Roman" panose="02020603050405020304" pitchFamily="18" charset="0"/>
-              </a:rPr>
-              <a:t>kJoule</a:t>
-            </a:r>
-            <a:r>
-              <a:rPr lang="en-US" dirty="0">
-                <a:latin typeface="Times New Roman" panose="02020603050405020304" pitchFamily="18" charset="0"/>
-                <a:cs typeface="Times New Roman" panose="02020603050405020304" pitchFamily="18" charset="0"/>
-              </a:rPr>
-              <a:t>/mol</a:t>
-            </a:r>
-          </a:p>
-        </p:txBody>
-      </p:sp>
+      </p:pic>
+      <p:pic>
+        <p:nvPicPr>
+          <p:cNvPr id="16" name="Picture 15">
+            <a:extLst>
+              <a:ext uri="{FF2B5EF4-FFF2-40B4-BE49-F238E27FC236}">
+                <a16:creationId xmlns:a16="http://schemas.microsoft.com/office/drawing/2014/main" id="{59234666-DE4C-4C0E-B830-F044CC3D854B}"/>
+              </a:ext>
+            </a:extLst>
+          </p:cNvPr>
+          <p:cNvPicPr>
+            <a:picLocks noChangeAspect="1"/>
+          </p:cNvPicPr>
+          <p:nvPr/>
+        </p:nvPicPr>
+        <p:blipFill>
+          <a:blip r:embed="rId5"/>
+          <a:stretch>
+            <a:fillRect/>
+          </a:stretch>
+        </p:blipFill>
+        <p:spPr>
+          <a:xfrm>
+            <a:off x="6807845" y="1987208"/>
+            <a:ext cx="709914" cy="322688"/>
+          </a:xfrm>
+          <a:prstGeom prst="rect">
+            <a:avLst/>
+          </a:prstGeom>
+        </p:spPr>
+      </p:pic>
+      <p:pic>
+        <p:nvPicPr>
+          <p:cNvPr id="18" name="Picture 17">
+            <a:extLst>
+              <a:ext uri="{FF2B5EF4-FFF2-40B4-BE49-F238E27FC236}">
+                <a16:creationId xmlns:a16="http://schemas.microsoft.com/office/drawing/2014/main" id="{61E8DD41-875E-483D-B943-9C1A8A17945F}"/>
+              </a:ext>
+            </a:extLst>
+          </p:cNvPr>
+          <p:cNvPicPr>
+            <a:picLocks noChangeAspect="1"/>
+          </p:cNvPicPr>
+          <p:nvPr/>
+        </p:nvPicPr>
+        <p:blipFill>
+          <a:blip r:embed="rId6"/>
+          <a:stretch>
+            <a:fillRect/>
+          </a:stretch>
+        </p:blipFill>
+        <p:spPr>
+          <a:xfrm>
+            <a:off x="1959980" y="4262468"/>
+            <a:ext cx="1000759" cy="314375"/>
+          </a:xfrm>
+          <a:prstGeom prst="rect">
+            <a:avLst/>
+          </a:prstGeom>
+        </p:spPr>
+      </p:pic>
+      <p:pic>
+        <p:nvPicPr>
+          <p:cNvPr id="22" name="Picture 21">
+            <a:extLst>
+              <a:ext uri="{FF2B5EF4-FFF2-40B4-BE49-F238E27FC236}">
+                <a16:creationId xmlns:a16="http://schemas.microsoft.com/office/drawing/2014/main" id="{9F11D4CE-D8FF-4F1F-A759-2AAA8B61B310}"/>
+              </a:ext>
+            </a:extLst>
+          </p:cNvPr>
+          <p:cNvPicPr>
+            <a:picLocks noChangeAspect="1"/>
+          </p:cNvPicPr>
+          <p:nvPr/>
+        </p:nvPicPr>
+        <p:blipFill>
+          <a:blip r:embed="rId7"/>
+          <a:stretch>
+            <a:fillRect/>
+          </a:stretch>
+        </p:blipFill>
+        <p:spPr>
+          <a:xfrm>
+            <a:off x="3302389" y="4091182"/>
+            <a:ext cx="1409851" cy="703243"/>
+          </a:xfrm>
+          <a:prstGeom prst="rect">
+            <a:avLst/>
+          </a:prstGeom>
+        </p:spPr>
+      </p:pic>
+      <p:pic>
+        <p:nvPicPr>
+          <p:cNvPr id="26" name="Picture 25">
+            <a:extLst>
+              <a:ext uri="{FF2B5EF4-FFF2-40B4-BE49-F238E27FC236}">
+                <a16:creationId xmlns:a16="http://schemas.microsoft.com/office/drawing/2014/main" id="{69E514E3-5ADD-4740-95D3-CDC70E6B2487}"/>
+              </a:ext>
+            </a:extLst>
+          </p:cNvPr>
+          <p:cNvPicPr>
+            <a:picLocks noChangeAspect="1"/>
+          </p:cNvPicPr>
+          <p:nvPr/>
+        </p:nvPicPr>
+        <p:blipFill>
+          <a:blip r:embed="rId8"/>
+          <a:stretch>
+            <a:fillRect/>
+          </a:stretch>
+        </p:blipFill>
+        <p:spPr>
+          <a:xfrm>
+            <a:off x="5053890" y="4079608"/>
+            <a:ext cx="1906744" cy="681296"/>
+          </a:xfrm>
+          <a:prstGeom prst="rect">
+            <a:avLst/>
+          </a:prstGeom>
+        </p:spPr>
+      </p:pic>
     </p:spTree>
     <p:extLst>
       <p:ext uri="{BB962C8B-B14F-4D97-AF65-F5344CB8AC3E}">
-        <p14:creationId xmlns:p14="http://schemas.microsoft.com/office/powerpoint/2010/main" val="1476307180"/>
+        <p14:creationId xmlns:p14="http://schemas.microsoft.com/office/powerpoint/2010/main" val="3899408500"/>
       </p:ext>
     </p:extLst>
   </p:cSld>
@@ -4466,8 +4618,8 @@
         </p:nvSpPr>
         <p:spPr>
           <a:xfrm>
-            <a:off x="258501" y="365125"/>
-            <a:ext cx="11095299" cy="905535"/>
+            <a:off x="838200" y="365125"/>
+            <a:ext cx="10515600" cy="885207"/>
           </a:xfrm>
         </p:spPr>
         <p:txBody>
@@ -4479,7 +4631,7 @@
             <a:pPr algn="ctr"/>
             <a:r>
               <a:rPr lang="en-US" dirty="0"/>
-              <a:t>Rate evaluation example: H</a:t>
+              <a:t>Rate evaluation example: H + O</a:t>
             </a:r>
             <a:r>
               <a:rPr lang="en-US" baseline="-25000" dirty="0"/>
@@ -4487,33 +4639,118 @@
             </a:r>
             <a:r>
               <a:rPr lang="en-US" dirty="0"/>
-              <a:t> </a:t>
-            </a:r>
-            <a:r>
-              <a:rPr lang="en-US"/>
-              <a:t>+ OH = </a:t>
-            </a:r>
-            <a:r>
-              <a:rPr lang="en-US" dirty="0"/>
-              <a:t>H</a:t>
-            </a:r>
-            <a:r>
-              <a:rPr lang="en-US" baseline="-25000" dirty="0"/>
-              <a:t>2</a:t>
-            </a:r>
-            <a:r>
-              <a:rPr lang="en-US" dirty="0"/>
-              <a:t>O + H reaction</a:t>
+              <a:t> = O + OH reaction</a:t>
+            </a:r>
+          </a:p>
+        </p:txBody>
+      </p:sp>
+      <p:sp>
+        <p:nvSpPr>
+          <p:cNvPr id="3" name="TextBox 2">
+            <a:extLst>
+              <a:ext uri="{FF2B5EF4-FFF2-40B4-BE49-F238E27FC236}">
+                <a16:creationId xmlns:a16="http://schemas.microsoft.com/office/drawing/2014/main" id="{DC96C2CF-5C4B-4C88-B5E9-7EA02E03C7DB}"/>
+              </a:ext>
+            </a:extLst>
+          </p:cNvPr>
+          <p:cNvSpPr txBox="1"/>
+          <p:nvPr/>
+        </p:nvSpPr>
+        <p:spPr>
+          <a:xfrm>
+            <a:off x="3125165" y="1334947"/>
+            <a:ext cx="4799635" cy="923330"/>
+          </a:xfrm>
+          <a:prstGeom prst="rect">
+            <a:avLst/>
+          </a:prstGeom>
+          <a:noFill/>
+        </p:spPr>
+        <p:txBody>
+          <a:bodyPr wrap="square" rtlCol="0">
+            <a:spAutoFit/>
+          </a:bodyPr>
+          <a:lstStyle/>
+          <a:p>
+            <a:r>
+              <a:rPr lang="en-US" dirty="0">
+                <a:latin typeface="Times New Roman" panose="02020603050405020304" pitchFamily="18" charset="0"/>
+                <a:cs typeface="Times New Roman" panose="02020603050405020304" pitchFamily="18" charset="0"/>
+              </a:rPr>
+              <a:t>A: 	</a:t>
+            </a:r>
+            <a:r>
+              <a:rPr lang="en-US" dirty="0">
+                <a:solidFill>
+                  <a:srgbClr val="FF0000"/>
+                </a:solidFill>
+                <a:latin typeface="Times New Roman" panose="02020603050405020304" pitchFamily="18" charset="0"/>
+                <a:cs typeface="Times New Roman" panose="02020603050405020304" pitchFamily="18" charset="0"/>
+              </a:rPr>
+              <a:t>4.75(±0.36)E-09 </a:t>
+            </a:r>
+            <a:r>
+              <a:rPr lang="en-US" dirty="0">
+                <a:latin typeface="Times New Roman" panose="02020603050405020304" pitchFamily="18" charset="0"/>
+                <a:cs typeface="Times New Roman" panose="02020603050405020304" pitchFamily="18" charset="0"/>
+              </a:rPr>
+              <a:t>	cm</a:t>
+            </a:r>
+            <a:r>
+              <a:rPr lang="en-US" baseline="30000" dirty="0">
+                <a:latin typeface="Times New Roman" panose="02020603050405020304" pitchFamily="18" charset="0"/>
+                <a:cs typeface="Times New Roman" panose="02020603050405020304" pitchFamily="18" charset="0"/>
+              </a:rPr>
+              <a:t>3</a:t>
+            </a:r>
+            <a:r>
+              <a:rPr lang="en-US" dirty="0">
+                <a:latin typeface="Times New Roman" panose="02020603050405020304" pitchFamily="18" charset="0"/>
+                <a:cs typeface="Times New Roman" panose="02020603050405020304" pitchFamily="18" charset="0"/>
+              </a:rPr>
+              <a:t>/molecule/s</a:t>
+            </a:r>
+          </a:p>
+          <a:p>
+            <a:r>
+              <a:rPr lang="en-US" dirty="0">
+                <a:latin typeface="Times New Roman" panose="02020603050405020304" pitchFamily="18" charset="0"/>
+                <a:cs typeface="Times New Roman" panose="02020603050405020304" pitchFamily="18" charset="0"/>
+              </a:rPr>
+              <a:t>n: 	-0.412 (±0.015)</a:t>
+            </a:r>
+          </a:p>
+          <a:p>
+            <a:r>
+              <a:rPr lang="en-US" dirty="0">
+                <a:latin typeface="Times New Roman" panose="02020603050405020304" pitchFamily="18" charset="0"/>
+                <a:cs typeface="Times New Roman" panose="02020603050405020304" pitchFamily="18" charset="0"/>
+              </a:rPr>
+              <a:t>E: 	67.27(±0.09) 	</a:t>
+            </a:r>
+            <a:r>
+              <a:rPr lang="en-US" dirty="0" err="1">
+                <a:latin typeface="Times New Roman" panose="02020603050405020304" pitchFamily="18" charset="0"/>
+                <a:cs typeface="Times New Roman" panose="02020603050405020304" pitchFamily="18" charset="0"/>
+              </a:rPr>
+              <a:t>kJoule</a:t>
+            </a:r>
+            <a:r>
+              <a:rPr lang="en-US" dirty="0">
+                <a:latin typeface="Times New Roman" panose="02020603050405020304" pitchFamily="18" charset="0"/>
+                <a:cs typeface="Times New Roman" panose="02020603050405020304" pitchFamily="18" charset="0"/>
+              </a:rPr>
+              <a:t>/mol</a:t>
             </a:r>
           </a:p>
         </p:txBody>
       </p:sp>
       <p:pic>
         <p:nvPicPr>
-          <p:cNvPr id="14" name="Picture 13">
+          <p:cNvPr id="6" name="Picture 5">
             <a:extLst>
               <a:ext uri="{FF2B5EF4-FFF2-40B4-BE49-F238E27FC236}">
-                <a16:creationId xmlns:a16="http://schemas.microsoft.com/office/drawing/2014/main" id="{677A7403-B500-9E42-9624-EB2B15AE3A8E}"/>
+                <a16:creationId xmlns:a16="http://schemas.microsoft.com/office/drawing/2014/main" id="{C8A24738-0C3E-1243-963F-3DC91D137D1A}"/>
               </a:ext>
             </a:extLst>
           </p:cNvPr>
@@ -4523,15 +4760,21 @@
           <p:nvPr/>
         </p:nvPicPr>
         <p:blipFill>
-          <a:blip r:embed="rId2"/>
+          <a:blip r:embed="rId2">
+            <a:extLst>
+              <a:ext uri="{28A0092B-C50C-407E-A947-70E740481C1C}">
+                <a14:useLocalDpi xmlns:a14="http://schemas.microsoft.com/office/drawing/2010/main" val="0"/>
+              </a:ext>
+            </a:extLst>
+          </a:blip>
           <a:stretch>
             <a:fillRect/>
           </a:stretch>
         </p:blipFill>
         <p:spPr>
           <a:xfrm>
-            <a:off x="631932" y="2295663"/>
-            <a:ext cx="5579943" cy="3798228"/>
+            <a:off x="585400" y="2249779"/>
+            <a:ext cx="5327650" cy="4235450"/>
           </a:xfrm>
           <a:prstGeom prst="rect">
             <a:avLst/>
@@ -4540,10 +4783,10 @@
       </p:pic>
       <p:pic>
         <p:nvPicPr>
-          <p:cNvPr id="16" name="Picture 15">
+          <p:cNvPr id="7" name="Picture 6">
             <a:extLst>
               <a:ext uri="{FF2B5EF4-FFF2-40B4-BE49-F238E27FC236}">
-                <a16:creationId xmlns:a16="http://schemas.microsoft.com/office/drawing/2014/main" id="{176FF36A-E4C0-5246-AAE4-73BAD4FBE437}"/>
+                <a16:creationId xmlns:a16="http://schemas.microsoft.com/office/drawing/2014/main" id="{AB5BCD16-14BA-D14E-80E7-886666BBD95D}"/>
               </a:ext>
             </a:extLst>
           </p:cNvPr>
@@ -4553,95 +4796,31 @@
           <p:nvPr/>
         </p:nvPicPr>
         <p:blipFill>
-          <a:blip r:embed="rId3"/>
+          <a:blip r:embed="rId3">
+            <a:extLst>
+              <a:ext uri="{28A0092B-C50C-407E-A947-70E740481C1C}">
+                <a14:useLocalDpi xmlns:a14="http://schemas.microsoft.com/office/drawing/2010/main" val="0"/>
+              </a:ext>
+            </a:extLst>
+          </a:blip>
           <a:stretch>
             <a:fillRect/>
           </a:stretch>
         </p:blipFill>
         <p:spPr>
           <a:xfrm>
-            <a:off x="6096000" y="2409451"/>
-            <a:ext cx="5372582" cy="3684439"/>
+            <a:off x="6221800" y="2209279"/>
+            <a:ext cx="5384800" cy="4235450"/>
           </a:xfrm>
           <a:prstGeom prst="rect">
             <a:avLst/>
           </a:prstGeom>
         </p:spPr>
       </p:pic>
-      <p:sp>
-        <p:nvSpPr>
-          <p:cNvPr id="3" name="TextBox 2">
-            <a:extLst>
-              <a:ext uri="{FF2B5EF4-FFF2-40B4-BE49-F238E27FC236}">
-                <a16:creationId xmlns:a16="http://schemas.microsoft.com/office/drawing/2014/main" id="{2E9C9E3C-27DB-4C4A-ABB2-6D1CDBC7253C}"/>
-              </a:ext>
-            </a:extLst>
-          </p:cNvPr>
-          <p:cNvSpPr txBox="1"/>
-          <p:nvPr/>
-        </p:nvSpPr>
-        <p:spPr>
-          <a:xfrm>
-            <a:off x="3125165" y="1209122"/>
-            <a:ext cx="4575858" cy="923330"/>
-          </a:xfrm>
-          <a:prstGeom prst="rect">
-            <a:avLst/>
-          </a:prstGeom>
-          <a:noFill/>
-        </p:spPr>
-        <p:txBody>
-          <a:bodyPr wrap="square" rtlCol="0">
-            <a:spAutoFit/>
-          </a:bodyPr>
-          <a:lstStyle/>
-          <a:p>
-            <a:r>
-              <a:rPr lang="en-US" dirty="0">
-                <a:latin typeface="Times New Roman" panose="02020603050405020304" pitchFamily="18" charset="0"/>
-                <a:cs typeface="Times New Roman" panose="02020603050405020304" pitchFamily="18" charset="0"/>
-              </a:rPr>
-              <a:t>A: 	1.57(±0.08)E-12 	cm3/molecule/s</a:t>
-            </a:r>
-          </a:p>
-          <a:p>
-            <a:r>
-              <a:rPr lang="en-US" dirty="0">
-                <a:latin typeface="Times New Roman" panose="02020603050405020304" pitchFamily="18" charset="0"/>
-                <a:cs typeface="Times New Roman" panose="02020603050405020304" pitchFamily="18" charset="0"/>
-              </a:rPr>
-              <a:t>n: 	-1.601 (±0.025)</a:t>
-            </a:r>
-          </a:p>
-          <a:p>
-            <a:r>
-              <a:rPr lang="en-US" dirty="0">
-                <a:latin typeface="Times New Roman" panose="02020603050405020304" pitchFamily="18" charset="0"/>
-                <a:cs typeface="Times New Roman" panose="02020603050405020304" pitchFamily="18" charset="0"/>
-              </a:rPr>
-              <a:t>E: 	13.76(±0.15) 	</a:t>
-            </a:r>
-            <a:r>
-              <a:rPr lang="en-US" dirty="0" err="1">
-                <a:latin typeface="Times New Roman" panose="02020603050405020304" pitchFamily="18" charset="0"/>
-                <a:cs typeface="Times New Roman" panose="02020603050405020304" pitchFamily="18" charset="0"/>
-              </a:rPr>
-              <a:t>kJoule</a:t>
-            </a:r>
-            <a:r>
-              <a:rPr lang="en-US" dirty="0">
-                <a:latin typeface="Times New Roman" panose="02020603050405020304" pitchFamily="18" charset="0"/>
-                <a:cs typeface="Times New Roman" panose="02020603050405020304" pitchFamily="18" charset="0"/>
-              </a:rPr>
-              <a:t>/mol</a:t>
-            </a:r>
-          </a:p>
-        </p:txBody>
-      </p:sp>
     </p:spTree>
     <p:extLst>
       <p:ext uri="{BB962C8B-B14F-4D97-AF65-F5344CB8AC3E}">
-        <p14:creationId xmlns:p14="http://schemas.microsoft.com/office/powerpoint/2010/main" val="268716822"/>
+        <p14:creationId xmlns:p14="http://schemas.microsoft.com/office/powerpoint/2010/main" val="1476307180"/>
       </p:ext>
     </p:extLst>
   </p:cSld>
@@ -4680,8 +4859,8 @@
         </p:nvSpPr>
         <p:spPr>
           <a:xfrm>
-            <a:off x="115747" y="365125"/>
-            <a:ext cx="11690430" cy="905535"/>
+            <a:off x="258501" y="365125"/>
+            <a:ext cx="11095299" cy="905535"/>
           </a:xfrm>
         </p:spPr>
         <p:txBody>
@@ -4693,98 +4872,142 @@
             <a:pPr algn="ctr"/>
             <a:r>
               <a:rPr lang="en-US" dirty="0"/>
-              <a:t>Model Performance example: flow reactor experiments</a:t>
-            </a:r>
-          </a:p>
-        </p:txBody>
-      </p:sp>
-      <p:grpSp>
-        <p:nvGrpSpPr>
-          <p:cNvPr id="40" name="Group 39">
+              <a:t>Rate evaluation example: H</a:t>
+            </a:r>
+            <a:r>
+              <a:rPr lang="en-US" baseline="-25000" dirty="0"/>
+              <a:t>2</a:t>
+            </a:r>
+            <a:r>
+              <a:rPr lang="en-US" dirty="0"/>
+              <a:t> </a:t>
+            </a:r>
+            <a:r>
+              <a:rPr lang="en-US"/>
+              <a:t>+ OH = </a:t>
+            </a:r>
+            <a:r>
+              <a:rPr lang="en-US" dirty="0"/>
+              <a:t>H</a:t>
+            </a:r>
+            <a:r>
+              <a:rPr lang="en-US" baseline="-25000" dirty="0"/>
+              <a:t>2</a:t>
+            </a:r>
+            <a:r>
+              <a:rPr lang="en-US" dirty="0"/>
+              <a:t>O + H reaction</a:t>
+            </a:r>
+          </a:p>
+        </p:txBody>
+      </p:sp>
+      <p:sp>
+        <p:nvSpPr>
+          <p:cNvPr id="3" name="TextBox 2">
             <a:extLst>
               <a:ext uri="{FF2B5EF4-FFF2-40B4-BE49-F238E27FC236}">
-                <a16:creationId xmlns:a16="http://schemas.microsoft.com/office/drawing/2014/main" id="{A526C84C-2229-4E74-AF3E-CF6A48441B03}"/>
+                <a16:creationId xmlns:a16="http://schemas.microsoft.com/office/drawing/2014/main" id="{2E9C9E3C-27DB-4C4A-ABB2-6D1CDBC7253C}"/>
               </a:ext>
             </a:extLst>
           </p:cNvPr>
-          <p:cNvGrpSpPr/>
+          <p:cNvSpPr txBox="1"/>
           <p:nvPr/>
-        </p:nvGrpSpPr>
-        <p:grpSpPr>
+        </p:nvSpPr>
+        <p:spPr>
           <a:xfrm>
-            <a:off x="316777" y="2474735"/>
-            <a:ext cx="5502372" cy="3381194"/>
-            <a:chOff x="316777" y="2474735"/>
-            <a:chExt cx="5502372" cy="3381194"/>
+            <a:off x="3125165" y="1209122"/>
+            <a:ext cx="4575858" cy="923330"/>
           </a:xfrm>
-        </p:grpSpPr>
-        <p:pic>
-          <p:nvPicPr>
-            <p:cNvPr id="26" name="Picture 25">
-              <a:extLst>
-                <a:ext uri="{FF2B5EF4-FFF2-40B4-BE49-F238E27FC236}">
-                  <a16:creationId xmlns:a16="http://schemas.microsoft.com/office/drawing/2014/main" id="{74D6DA69-6800-4169-B2F9-7F60D826E322}"/>
-                </a:ext>
-              </a:extLst>
-            </p:cNvPr>
-            <p:cNvPicPr>
-              <a:picLocks noChangeAspect="1"/>
-            </p:cNvPicPr>
-            <p:nvPr/>
-          </p:nvPicPr>
-          <p:blipFill>
-            <a:blip r:embed="rId2"/>
-            <a:stretch>
-              <a:fillRect/>
-            </a:stretch>
-          </p:blipFill>
-          <p:spPr>
-            <a:xfrm>
-              <a:off x="316777" y="2474735"/>
-              <a:ext cx="5502372" cy="3381194"/>
-            </a:xfrm>
-            <a:prstGeom prst="rect">
-              <a:avLst/>
-            </a:prstGeom>
-          </p:spPr>
-        </p:pic>
-        <p:pic>
-          <p:nvPicPr>
-            <p:cNvPr id="30" name="Picture 29">
-              <a:extLst>
-                <a:ext uri="{FF2B5EF4-FFF2-40B4-BE49-F238E27FC236}">
-                  <a16:creationId xmlns:a16="http://schemas.microsoft.com/office/drawing/2014/main" id="{99A25652-1B7A-49D6-8D80-C513F5AC07A3}"/>
-                </a:ext>
-              </a:extLst>
-            </p:cNvPr>
-            <p:cNvPicPr>
-              <a:picLocks noChangeAspect="1"/>
-            </p:cNvPicPr>
-            <p:nvPr/>
-          </p:nvPicPr>
-          <p:blipFill>
-            <a:blip r:embed="rId3"/>
-            <a:stretch>
-              <a:fillRect/>
-            </a:stretch>
-          </p:blipFill>
-          <p:spPr>
-            <a:xfrm>
-              <a:off x="827254" y="4193895"/>
-              <a:ext cx="670664" cy="1220124"/>
-            </a:xfrm>
-            <a:prstGeom prst="rect">
-              <a:avLst/>
-            </a:prstGeom>
-          </p:spPr>
-        </p:pic>
-      </p:grpSp>
+          <a:prstGeom prst="rect">
+            <a:avLst/>
+          </a:prstGeom>
+          <a:noFill/>
+        </p:spPr>
+        <p:txBody>
+          <a:bodyPr wrap="square" rtlCol="0">
+            <a:spAutoFit/>
+          </a:bodyPr>
+          <a:lstStyle/>
+          <a:p>
+            <a:r>
+              <a:rPr lang="en-US" dirty="0">
+                <a:latin typeface="Times New Roman" panose="02020603050405020304" pitchFamily="18" charset="0"/>
+                <a:cs typeface="Times New Roman" panose="02020603050405020304" pitchFamily="18" charset="0"/>
+              </a:rPr>
+              <a:t>A: 	</a:t>
+            </a:r>
+            <a:r>
+              <a:rPr lang="en-US" dirty="0">
+                <a:solidFill>
+                  <a:srgbClr val="FF0000"/>
+                </a:solidFill>
+                <a:latin typeface="Times New Roman" panose="02020603050405020304" pitchFamily="18" charset="0"/>
+                <a:cs typeface="Times New Roman" panose="02020603050405020304" pitchFamily="18" charset="0"/>
+              </a:rPr>
+              <a:t>1.57(±0.09)E-12 </a:t>
+            </a:r>
+            <a:r>
+              <a:rPr lang="en-US" dirty="0">
+                <a:latin typeface="Times New Roman" panose="02020603050405020304" pitchFamily="18" charset="0"/>
+                <a:cs typeface="Times New Roman" panose="02020603050405020304" pitchFamily="18" charset="0"/>
+              </a:rPr>
+              <a:t>	cm</a:t>
+            </a:r>
+            <a:r>
+              <a:rPr lang="en-US" baseline="30000" dirty="0">
+                <a:latin typeface="Times New Roman" panose="02020603050405020304" pitchFamily="18" charset="0"/>
+                <a:cs typeface="Times New Roman" panose="02020603050405020304" pitchFamily="18" charset="0"/>
+              </a:rPr>
+              <a:t>3</a:t>
+            </a:r>
+            <a:r>
+              <a:rPr lang="en-US" dirty="0">
+                <a:latin typeface="Times New Roman" panose="02020603050405020304" pitchFamily="18" charset="0"/>
+                <a:cs typeface="Times New Roman" panose="02020603050405020304" pitchFamily="18" charset="0"/>
+              </a:rPr>
+              <a:t>/molecule/s</a:t>
+            </a:r>
+          </a:p>
+          <a:p>
+            <a:r>
+              <a:rPr lang="en-US" dirty="0">
+                <a:latin typeface="Times New Roman" panose="02020603050405020304" pitchFamily="18" charset="0"/>
+                <a:cs typeface="Times New Roman" panose="02020603050405020304" pitchFamily="18" charset="0"/>
+              </a:rPr>
+              <a:t>n: 	-1.601 (±0.022)</a:t>
+            </a:r>
+          </a:p>
+          <a:p>
+            <a:r>
+              <a:rPr lang="en-US" dirty="0">
+                <a:latin typeface="Times New Roman" panose="02020603050405020304" pitchFamily="18" charset="0"/>
+                <a:cs typeface="Times New Roman" panose="02020603050405020304" pitchFamily="18" charset="0"/>
+              </a:rPr>
+              <a:t>E: 	13.73(±0.13) 	</a:t>
+            </a:r>
+            <a:r>
+              <a:rPr lang="en-US" dirty="0" err="1">
+                <a:latin typeface="Times New Roman" panose="02020603050405020304" pitchFamily="18" charset="0"/>
+                <a:cs typeface="Times New Roman" panose="02020603050405020304" pitchFamily="18" charset="0"/>
+              </a:rPr>
+              <a:t>kJoule</a:t>
+            </a:r>
+            <a:r>
+              <a:rPr lang="en-US" dirty="0">
+                <a:latin typeface="Times New Roman" panose="02020603050405020304" pitchFamily="18" charset="0"/>
+                <a:cs typeface="Times New Roman" panose="02020603050405020304" pitchFamily="18" charset="0"/>
+              </a:rPr>
+              <a:t>/mol</a:t>
+            </a:r>
+          </a:p>
+        </p:txBody>
+      </p:sp>
       <p:pic>
         <p:nvPicPr>
-          <p:cNvPr id="34" name="Picture 33">
+          <p:cNvPr id="6" name="Picture 5">
             <a:extLst>
               <a:ext uri="{FF2B5EF4-FFF2-40B4-BE49-F238E27FC236}">
-                <a16:creationId xmlns:a16="http://schemas.microsoft.com/office/drawing/2014/main" id="{2896F2A0-5D8C-4650-BA02-57BC08D6B4A1}"/>
+                <a16:creationId xmlns:a16="http://schemas.microsoft.com/office/drawing/2014/main" id="{88F1A19A-A5FD-4288-AB65-1C98416F4F9B}"/>
               </a:ext>
             </a:extLst>
           </p:cNvPr>
@@ -4794,15 +5017,21 @@
           <p:nvPr/>
         </p:nvPicPr>
         <p:blipFill>
-          <a:blip r:embed="rId4"/>
+          <a:blip r:embed="rId2">
+            <a:extLst>
+              <a:ext uri="{28A0092B-C50C-407E-A947-70E740481C1C}">
+                <a14:useLocalDpi xmlns:a14="http://schemas.microsoft.com/office/drawing/2010/main" val="0"/>
+              </a:ext>
+            </a:extLst>
+          </a:blip>
           <a:stretch>
             <a:fillRect/>
           </a:stretch>
         </p:blipFill>
         <p:spPr>
           <a:xfrm>
-            <a:off x="6372852" y="2474735"/>
-            <a:ext cx="4368236" cy="3371217"/>
+            <a:off x="444500" y="2487226"/>
+            <a:ext cx="5372100" cy="4246903"/>
           </a:xfrm>
           <a:prstGeom prst="rect">
             <a:avLst/>
@@ -4811,10 +5040,10 @@
       </p:pic>
       <p:pic>
         <p:nvPicPr>
-          <p:cNvPr id="36" name="Picture 35">
+          <p:cNvPr id="7" name="Picture 6">
             <a:extLst>
               <a:ext uri="{FF2B5EF4-FFF2-40B4-BE49-F238E27FC236}">
-                <a16:creationId xmlns:a16="http://schemas.microsoft.com/office/drawing/2014/main" id="{36448BBB-7764-4D1F-8F23-859ECF2160A3}"/>
+                <a16:creationId xmlns:a16="http://schemas.microsoft.com/office/drawing/2014/main" id="{B8F54EBB-E352-3248-8AED-5F81FD6AFBB5}"/>
               </a:ext>
             </a:extLst>
           </p:cNvPr>
@@ -4824,106 +5053,31 @@
           <p:nvPr/>
         </p:nvPicPr>
         <p:blipFill>
-          <a:blip r:embed="rId5"/>
+          <a:blip r:embed="rId3">
+            <a:extLst>
+              <a:ext uri="{28A0092B-C50C-407E-A947-70E740481C1C}">
+                <a14:useLocalDpi xmlns:a14="http://schemas.microsoft.com/office/drawing/2010/main" val="0"/>
+              </a:ext>
+            </a:extLst>
+          </a:blip>
           <a:stretch>
             <a:fillRect/>
           </a:stretch>
         </p:blipFill>
         <p:spPr>
           <a:xfrm>
-            <a:off x="9364820" y="3031602"/>
-            <a:ext cx="1121844" cy="560922"/>
+            <a:off x="6381750" y="2454230"/>
+            <a:ext cx="5365750" cy="4235450"/>
           </a:xfrm>
           <a:prstGeom prst="rect">
             <a:avLst/>
           </a:prstGeom>
         </p:spPr>
       </p:pic>
-      <p:grpSp>
-        <p:nvGrpSpPr>
-          <p:cNvPr id="39" name="Group 38">
-            <a:extLst>
-              <a:ext uri="{FF2B5EF4-FFF2-40B4-BE49-F238E27FC236}">
-                <a16:creationId xmlns:a16="http://schemas.microsoft.com/office/drawing/2014/main" id="{140B6489-F7F4-4BB9-B547-B61D315C2210}"/>
-              </a:ext>
-            </a:extLst>
-          </p:cNvPr>
-          <p:cNvGrpSpPr/>
-          <p:nvPr/>
-        </p:nvGrpSpPr>
-        <p:grpSpPr>
-          <a:xfrm>
-            <a:off x="6372852" y="2484712"/>
-            <a:ext cx="4368236" cy="3371217"/>
-            <a:chOff x="6372852" y="2484712"/>
-            <a:chExt cx="4368236" cy="3371217"/>
-          </a:xfrm>
-        </p:grpSpPr>
-        <p:pic>
-          <p:nvPicPr>
-            <p:cNvPr id="37" name="Picture 36">
-              <a:extLst>
-                <a:ext uri="{FF2B5EF4-FFF2-40B4-BE49-F238E27FC236}">
-                  <a16:creationId xmlns:a16="http://schemas.microsoft.com/office/drawing/2014/main" id="{1A7EAC4D-12CA-4970-8918-B958CFA7D82E}"/>
-                </a:ext>
-              </a:extLst>
-            </p:cNvPr>
-            <p:cNvPicPr>
-              <a:picLocks noChangeAspect="1"/>
-            </p:cNvPicPr>
-            <p:nvPr/>
-          </p:nvPicPr>
-          <p:blipFill>
-            <a:blip r:embed="rId4"/>
-            <a:stretch>
-              <a:fillRect/>
-            </a:stretch>
-          </p:blipFill>
-          <p:spPr>
-            <a:xfrm>
-              <a:off x="6372852" y="2484712"/>
-              <a:ext cx="4368236" cy="3371217"/>
-            </a:xfrm>
-            <a:prstGeom prst="rect">
-              <a:avLst/>
-            </a:prstGeom>
-          </p:spPr>
-        </p:pic>
-        <p:pic>
-          <p:nvPicPr>
-            <p:cNvPr id="38" name="Picture 37">
-              <a:extLst>
-                <a:ext uri="{FF2B5EF4-FFF2-40B4-BE49-F238E27FC236}">
-                  <a16:creationId xmlns:a16="http://schemas.microsoft.com/office/drawing/2014/main" id="{4C19FF38-D1BC-46A3-B7FB-8265B86051DC}"/>
-                </a:ext>
-              </a:extLst>
-            </p:cNvPr>
-            <p:cNvPicPr>
-              <a:picLocks noChangeAspect="1"/>
-            </p:cNvPicPr>
-            <p:nvPr/>
-          </p:nvPicPr>
-          <p:blipFill>
-            <a:blip r:embed="rId5"/>
-            <a:stretch>
-              <a:fillRect/>
-            </a:stretch>
-          </p:blipFill>
-          <p:spPr>
-            <a:xfrm>
-              <a:off x="9364820" y="3041579"/>
-              <a:ext cx="1121844" cy="560922"/>
-            </a:xfrm>
-            <a:prstGeom prst="rect">
-              <a:avLst/>
-            </a:prstGeom>
-          </p:spPr>
-        </p:pic>
-      </p:grpSp>
     </p:spTree>
     <p:extLst>
       <p:ext uri="{BB962C8B-B14F-4D97-AF65-F5344CB8AC3E}">
-        <p14:creationId xmlns:p14="http://schemas.microsoft.com/office/powerpoint/2010/main" val="2110592181"/>
+        <p14:creationId xmlns:p14="http://schemas.microsoft.com/office/powerpoint/2010/main" val="268716822"/>
       </p:ext>
     </p:extLst>
   </p:cSld>
@@ -4962,8 +5116,8 @@
         </p:nvSpPr>
         <p:spPr>
           <a:xfrm>
-            <a:off x="115747" y="365125"/>
-            <a:ext cx="11956648" cy="905535"/>
+            <a:off x="258501" y="365125"/>
+            <a:ext cx="11095299" cy="905535"/>
           </a:xfrm>
         </p:spPr>
         <p:txBody>
@@ -4975,177 +5129,196 @@
             <a:pPr algn="ctr"/>
             <a:r>
               <a:rPr lang="en-US" dirty="0"/>
-              <a:t>Model Performance example: flame speed experiments</a:t>
-            </a:r>
-          </a:p>
-        </p:txBody>
-      </p:sp>
-      <p:grpSp>
-        <p:nvGrpSpPr>
-          <p:cNvPr id="17" name="Group 16">
+              <a:t>Rate evaluation example: HO</a:t>
+            </a:r>
+            <a:r>
+              <a:rPr lang="en-US" baseline="-25000" dirty="0"/>
+              <a:t>2</a:t>
+            </a:r>
+            <a:r>
+              <a:rPr lang="en-US" dirty="0"/>
+              <a:t> + H = OH + OH reaction</a:t>
+            </a:r>
+          </a:p>
+        </p:txBody>
+      </p:sp>
+      <p:sp>
+        <p:nvSpPr>
+          <p:cNvPr id="3" name="TextBox 2">
             <a:extLst>
               <a:ext uri="{FF2B5EF4-FFF2-40B4-BE49-F238E27FC236}">
-                <a16:creationId xmlns:a16="http://schemas.microsoft.com/office/drawing/2014/main" id="{F82E30E4-9C5B-43B2-8960-6899EFE76A95}"/>
+                <a16:creationId xmlns:a16="http://schemas.microsoft.com/office/drawing/2014/main" id="{2E9C9E3C-27DB-4C4A-ABB2-6D1CDBC7253C}"/>
               </a:ext>
             </a:extLst>
           </p:cNvPr>
-          <p:cNvGrpSpPr/>
+          <p:cNvSpPr txBox="1"/>
           <p:nvPr/>
-        </p:nvGrpSpPr>
-        <p:grpSpPr>
+        </p:nvSpPr>
+        <p:spPr>
           <a:xfrm>
-            <a:off x="70869" y="1836515"/>
-            <a:ext cx="5311768" cy="4338578"/>
-            <a:chOff x="190474" y="1836515"/>
-            <a:chExt cx="5311768" cy="4338578"/>
+            <a:off x="3125165" y="1209122"/>
+            <a:ext cx="4575858" cy="923330"/>
           </a:xfrm>
-        </p:grpSpPr>
-        <p:pic>
-          <p:nvPicPr>
-            <p:cNvPr id="11" name="Picture 10">
-              <a:extLst>
-                <a:ext uri="{FF2B5EF4-FFF2-40B4-BE49-F238E27FC236}">
-                  <a16:creationId xmlns:a16="http://schemas.microsoft.com/office/drawing/2014/main" id="{8B9C52BF-56CC-4EDE-AD1F-D8C9B0463231}"/>
-                </a:ext>
-              </a:extLst>
-            </p:cNvPr>
-            <p:cNvPicPr>
-              <a:picLocks noChangeAspect="1"/>
-            </p:cNvPicPr>
-            <p:nvPr/>
-          </p:nvPicPr>
-          <p:blipFill>
-            <a:blip r:embed="rId2"/>
-            <a:stretch>
-              <a:fillRect/>
-            </a:stretch>
-          </p:blipFill>
-          <p:spPr>
-            <a:xfrm>
-              <a:off x="190474" y="1836515"/>
-              <a:ext cx="5311768" cy="4338578"/>
-            </a:xfrm>
-            <a:prstGeom prst="rect">
-              <a:avLst/>
-            </a:prstGeom>
-          </p:spPr>
-        </p:pic>
-        <p:pic>
-          <p:nvPicPr>
-            <p:cNvPr id="15" name="Picture 14">
-              <a:extLst>
-                <a:ext uri="{FF2B5EF4-FFF2-40B4-BE49-F238E27FC236}">
-                  <a16:creationId xmlns:a16="http://schemas.microsoft.com/office/drawing/2014/main" id="{617AE4F4-6CB6-4199-AA09-5E75C8B9F9E7}"/>
-                </a:ext>
-              </a:extLst>
-            </p:cNvPr>
-            <p:cNvPicPr>
-              <a:picLocks noChangeAspect="1"/>
-            </p:cNvPicPr>
-            <p:nvPr/>
-          </p:nvPicPr>
-          <p:blipFill>
-            <a:blip r:embed="rId3"/>
-            <a:stretch>
-              <a:fillRect/>
-            </a:stretch>
-          </p:blipFill>
-          <p:spPr>
-            <a:xfrm>
-              <a:off x="3237054" y="3806272"/>
-              <a:ext cx="1455444" cy="1543161"/>
-            </a:xfrm>
-            <a:prstGeom prst="rect">
-              <a:avLst/>
-            </a:prstGeom>
-          </p:spPr>
-        </p:pic>
-      </p:grpSp>
-      <p:grpSp>
-        <p:nvGrpSpPr>
-          <p:cNvPr id="22" name="Group 21">
+          <a:prstGeom prst="rect">
+            <a:avLst/>
+          </a:prstGeom>
+          <a:noFill/>
+        </p:spPr>
+        <p:txBody>
+          <a:bodyPr wrap="square" rtlCol="0">
+            <a:spAutoFit/>
+          </a:bodyPr>
+          <a:lstStyle/>
+          <a:p>
+            <a:r>
+              <a:rPr lang="en-US" dirty="0">
+                <a:latin typeface="Times New Roman" panose="02020603050405020304" pitchFamily="18" charset="0"/>
+                <a:cs typeface="Times New Roman" panose="02020603050405020304" pitchFamily="18" charset="0"/>
+              </a:rPr>
+              <a:t>A: 	</a:t>
+            </a:r>
+            <a:r>
+              <a:rPr lang="en-US" dirty="0">
+                <a:solidFill>
+                  <a:srgbClr val="FF0000"/>
+                </a:solidFill>
+                <a:latin typeface="Times New Roman" panose="02020603050405020304" pitchFamily="18" charset="0"/>
+                <a:cs typeface="Times New Roman" panose="02020603050405020304" pitchFamily="18" charset="0"/>
+              </a:rPr>
+              <a:t>7.59(±1.76)E-12 </a:t>
+            </a:r>
+            <a:r>
+              <a:rPr lang="en-US" dirty="0">
+                <a:latin typeface="Times New Roman" panose="02020603050405020304" pitchFamily="18" charset="0"/>
+                <a:cs typeface="Times New Roman" panose="02020603050405020304" pitchFamily="18" charset="0"/>
+              </a:rPr>
+              <a:t>	cm</a:t>
+            </a:r>
+            <a:r>
+              <a:rPr lang="en-US" baseline="30000" dirty="0">
+                <a:latin typeface="Times New Roman" panose="02020603050405020304" pitchFamily="18" charset="0"/>
+                <a:cs typeface="Times New Roman" panose="02020603050405020304" pitchFamily="18" charset="0"/>
+              </a:rPr>
+              <a:t>3</a:t>
+            </a:r>
+            <a:r>
+              <a:rPr lang="en-US" dirty="0">
+                <a:latin typeface="Times New Roman" panose="02020603050405020304" pitchFamily="18" charset="0"/>
+                <a:cs typeface="Times New Roman" panose="02020603050405020304" pitchFamily="18" charset="0"/>
+              </a:rPr>
+              <a:t>/molecule/s</a:t>
+            </a:r>
+          </a:p>
+          <a:p>
+            <a:r>
+              <a:rPr lang="en-US" dirty="0">
+                <a:latin typeface="Times New Roman" panose="02020603050405020304" pitchFamily="18" charset="0"/>
+                <a:cs typeface="Times New Roman" panose="02020603050405020304" pitchFamily="18" charset="0"/>
+              </a:rPr>
+              <a:t>n: 	-0.212 (±0.006)</a:t>
+            </a:r>
+          </a:p>
+          <a:p>
+            <a:r>
+              <a:rPr lang="en-US" dirty="0">
+                <a:latin typeface="Times New Roman" panose="02020603050405020304" pitchFamily="18" charset="0"/>
+                <a:cs typeface="Times New Roman" panose="02020603050405020304" pitchFamily="18" charset="0"/>
+              </a:rPr>
+              <a:t>E: 	0.038(±0.028) 	</a:t>
+            </a:r>
+            <a:r>
+              <a:rPr lang="en-US" dirty="0" err="1">
+                <a:latin typeface="Times New Roman" panose="02020603050405020304" pitchFamily="18" charset="0"/>
+                <a:cs typeface="Times New Roman" panose="02020603050405020304" pitchFamily="18" charset="0"/>
+              </a:rPr>
+              <a:t>kJoule</a:t>
+            </a:r>
+            <a:r>
+              <a:rPr lang="en-US" dirty="0">
+                <a:latin typeface="Times New Roman" panose="02020603050405020304" pitchFamily="18" charset="0"/>
+                <a:cs typeface="Times New Roman" panose="02020603050405020304" pitchFamily="18" charset="0"/>
+              </a:rPr>
+              <a:t>/mol</a:t>
+            </a:r>
+          </a:p>
+        </p:txBody>
+      </p:sp>
+      <p:pic>
+        <p:nvPicPr>
+          <p:cNvPr id="8" name="Picture 7">
             <a:extLst>
               <a:ext uri="{FF2B5EF4-FFF2-40B4-BE49-F238E27FC236}">
-                <a16:creationId xmlns:a16="http://schemas.microsoft.com/office/drawing/2014/main" id="{CC505E2E-5894-4B6F-B93C-AFC9DB99A471}"/>
+                <a16:creationId xmlns:a16="http://schemas.microsoft.com/office/drawing/2014/main" id="{04705DB6-3147-3645-8D00-F34BD3D8803E}"/>
               </a:ext>
             </a:extLst>
           </p:cNvPr>
-          <p:cNvGrpSpPr/>
+          <p:cNvPicPr>
+            <a:picLocks noChangeAspect="1"/>
+          </p:cNvPicPr>
           <p:nvPr/>
-        </p:nvGrpSpPr>
-        <p:grpSpPr>
+        </p:nvPicPr>
+        <p:blipFill>
+          <a:blip r:embed="rId2">
+            <a:extLst>
+              <a:ext uri="{28A0092B-C50C-407E-A947-70E740481C1C}">
+                <a14:useLocalDpi xmlns:a14="http://schemas.microsoft.com/office/drawing/2010/main" val="0"/>
+              </a:ext>
+            </a:extLst>
+          </a:blip>
+          <a:stretch>
+            <a:fillRect/>
+          </a:stretch>
+        </p:blipFill>
+        <p:spPr>
           <a:xfrm>
-            <a:off x="6029630" y="2070442"/>
-            <a:ext cx="5324170" cy="4027487"/>
-            <a:chOff x="6029630" y="2070442"/>
-            <a:chExt cx="5324170" cy="4027487"/>
+            <a:off x="372675" y="2465839"/>
+            <a:ext cx="5327650" cy="4235450"/>
           </a:xfrm>
-        </p:grpSpPr>
-        <p:pic>
-          <p:nvPicPr>
-            <p:cNvPr id="19" name="Picture 18">
-              <a:extLst>
-                <a:ext uri="{FF2B5EF4-FFF2-40B4-BE49-F238E27FC236}">
-                  <a16:creationId xmlns:a16="http://schemas.microsoft.com/office/drawing/2014/main" id="{710CECCE-6125-4B82-ADB2-8E9779CE0E73}"/>
-                </a:ext>
-              </a:extLst>
-            </p:cNvPr>
-            <p:cNvPicPr>
-              <a:picLocks noChangeAspect="1"/>
-            </p:cNvPicPr>
-            <p:nvPr/>
-          </p:nvPicPr>
-          <p:blipFill>
-            <a:blip r:embed="rId4"/>
-            <a:stretch>
-              <a:fillRect/>
-            </a:stretch>
-          </p:blipFill>
-          <p:spPr>
-            <a:xfrm>
-              <a:off x="6029630" y="2070442"/>
-              <a:ext cx="5324170" cy="4027487"/>
-            </a:xfrm>
-            <a:prstGeom prst="rect">
-              <a:avLst/>
-            </a:prstGeom>
-          </p:spPr>
-        </p:pic>
-        <p:pic>
-          <p:nvPicPr>
-            <p:cNvPr id="21" name="Picture 20">
-              <a:extLst>
-                <a:ext uri="{FF2B5EF4-FFF2-40B4-BE49-F238E27FC236}">
-                  <a16:creationId xmlns:a16="http://schemas.microsoft.com/office/drawing/2014/main" id="{F700068B-DCCC-4292-BD0D-C4AF1541A4FF}"/>
-                </a:ext>
-              </a:extLst>
-            </p:cNvPr>
-            <p:cNvPicPr>
-              <a:picLocks noChangeAspect="1"/>
-            </p:cNvPicPr>
-            <p:nvPr/>
-          </p:nvPicPr>
-          <p:blipFill>
-            <a:blip r:embed="rId5"/>
-            <a:stretch>
-              <a:fillRect/>
-            </a:stretch>
-          </p:blipFill>
-          <p:spPr>
-            <a:xfrm>
-              <a:off x="6759177" y="2527501"/>
-              <a:ext cx="971987" cy="901499"/>
-            </a:xfrm>
-            <a:prstGeom prst="rect">
-              <a:avLst/>
-            </a:prstGeom>
-          </p:spPr>
-        </p:pic>
-      </p:grpSp>
+          <a:prstGeom prst="rect">
+            <a:avLst/>
+          </a:prstGeom>
+        </p:spPr>
+      </p:pic>
+      <p:pic>
+        <p:nvPicPr>
+          <p:cNvPr id="9" name="Picture 8">
+            <a:extLst>
+              <a:ext uri="{FF2B5EF4-FFF2-40B4-BE49-F238E27FC236}">
+                <a16:creationId xmlns:a16="http://schemas.microsoft.com/office/drawing/2014/main" id="{2663ECD2-9A7F-3148-8796-B6350759B937}"/>
+              </a:ext>
+            </a:extLst>
+          </p:cNvPr>
+          <p:cNvPicPr>
+            <a:picLocks noChangeAspect="1"/>
+          </p:cNvPicPr>
+          <p:nvPr/>
+        </p:nvPicPr>
+        <p:blipFill>
+          <a:blip r:embed="rId3">
+            <a:extLst>
+              <a:ext uri="{28A0092B-C50C-407E-A947-70E740481C1C}">
+                <a14:useLocalDpi xmlns:a14="http://schemas.microsoft.com/office/drawing/2010/main" val="0"/>
+              </a:ext>
+            </a:extLst>
+          </a:blip>
+          <a:stretch>
+            <a:fillRect/>
+          </a:stretch>
+        </p:blipFill>
+        <p:spPr>
+          <a:xfrm>
+            <a:off x="6491675" y="2425339"/>
+            <a:ext cx="5327650" cy="4235450"/>
+          </a:xfrm>
+          <a:prstGeom prst="rect">
+            <a:avLst/>
+          </a:prstGeom>
+        </p:spPr>
+      </p:pic>
     </p:spTree>
     <p:extLst>
       <p:ext uri="{BB962C8B-B14F-4D97-AF65-F5344CB8AC3E}">
-        <p14:creationId xmlns:p14="http://schemas.microsoft.com/office/powerpoint/2010/main" val="3216362458"/>
+        <p14:creationId xmlns:p14="http://schemas.microsoft.com/office/powerpoint/2010/main" val="2048319604"/>
       </p:ext>
     </p:extLst>
   </p:cSld>
@@ -5172,40 +5345,782 @@
           <a:chExt cx="0" cy="0"/>
         </a:xfrm>
       </p:grpSpPr>
-      <p:graphicFrame>
-        <p:nvGraphicFramePr>
-          <p:cNvPr id="3" name="Chart 2">
+      <p:sp>
+        <p:nvSpPr>
+          <p:cNvPr id="2" name="Title 1"/>
+          <p:cNvSpPr>
+            <a:spLocks noGrp="1"/>
+          </p:cNvSpPr>
+          <p:nvPr>
+            <p:ph type="title"/>
+          </p:nvPr>
+        </p:nvSpPr>
+        <p:spPr>
+          <a:xfrm>
+            <a:off x="293225" y="365125"/>
+            <a:ext cx="11605550" cy="905535"/>
+          </a:xfrm>
+        </p:spPr>
+        <p:txBody>
+          <a:bodyPr>
+            <a:normAutofit fontScale="90000"/>
+          </a:bodyPr>
+          <a:lstStyle/>
+          <a:p>
+            <a:pPr algn="ctr"/>
+            <a:r>
+              <a:rPr lang="en-US" dirty="0"/>
+              <a:t>Rate evaluation example: HO</a:t>
+            </a:r>
+            <a:r>
+              <a:rPr lang="en-US" baseline="-25000" dirty="0"/>
+              <a:t>2</a:t>
+            </a:r>
+            <a:r>
+              <a:rPr lang="en-US" dirty="0"/>
+              <a:t> + OH = O</a:t>
+            </a:r>
+            <a:r>
+              <a:rPr lang="en-US" baseline="-25000" dirty="0"/>
+              <a:t>2</a:t>
+            </a:r>
+            <a:r>
+              <a:rPr lang="en-US" dirty="0"/>
+              <a:t> + H</a:t>
+            </a:r>
+            <a:r>
+              <a:rPr lang="en-US" baseline="-25000" dirty="0"/>
+              <a:t>2</a:t>
+            </a:r>
+            <a:r>
+              <a:rPr lang="en-US" dirty="0"/>
+              <a:t>O reaction</a:t>
+            </a:r>
+          </a:p>
+        </p:txBody>
+      </p:sp>
+      <p:sp>
+        <p:nvSpPr>
+          <p:cNvPr id="3" name="TextBox 2">
             <a:extLst>
               <a:ext uri="{FF2B5EF4-FFF2-40B4-BE49-F238E27FC236}">
-                <a16:creationId xmlns:a16="http://schemas.microsoft.com/office/drawing/2014/main" id="{00000000-0008-0000-0100-000002000000}"/>
+                <a16:creationId xmlns:a16="http://schemas.microsoft.com/office/drawing/2014/main" id="{2E9C9E3C-27DB-4C4A-ABB2-6D1CDBC7253C}"/>
               </a:ext>
             </a:extLst>
           </p:cNvPr>
-          <p:cNvGraphicFramePr>
-            <a:graphicFrameLocks noGrp="1"/>
-          </p:cNvGraphicFramePr>
-          <p:nvPr>
-            <p:extLst>
-              <p:ext uri="{D42A27DB-BD31-4B8C-83A1-F6EECF244321}">
-                <p14:modId xmlns:p14="http://schemas.microsoft.com/office/powerpoint/2010/main" val="564719336"/>
-              </p:ext>
-            </p:extLst>
-          </p:nvPr>
-        </p:nvGraphicFramePr>
-        <p:xfrm>
-          <a:off x="1769390" y="301087"/>
-          <a:ext cx="8653220" cy="6255826"/>
-        </p:xfrm>
-        <a:graphic>
-          <a:graphicData uri="http://schemas.openxmlformats.org/drawingml/2006/chart">
-            <c:chart xmlns:c="http://schemas.openxmlformats.org/drawingml/2006/chart" xmlns:r="http://schemas.openxmlformats.org/officeDocument/2006/relationships" r:id="rId2"/>
-          </a:graphicData>
-        </a:graphic>
-      </p:graphicFrame>
+          <p:cNvSpPr txBox="1"/>
+          <p:nvPr/>
+        </p:nvSpPr>
+        <p:spPr>
+          <a:xfrm>
+            <a:off x="3125165" y="1209122"/>
+            <a:ext cx="4575858" cy="1477328"/>
+          </a:xfrm>
+          <a:prstGeom prst="rect">
+            <a:avLst/>
+          </a:prstGeom>
+          <a:noFill/>
+        </p:spPr>
+        <p:txBody>
+          <a:bodyPr wrap="square" rtlCol="0">
+            <a:spAutoFit/>
+          </a:bodyPr>
+          <a:lstStyle/>
+          <a:p>
+            <a:r>
+              <a:rPr lang="en-US" dirty="0">
+                <a:latin typeface="Times New Roman" panose="02020603050405020304" pitchFamily="18" charset="0"/>
+                <a:cs typeface="Times New Roman" panose="02020603050405020304" pitchFamily="18" charset="0"/>
+              </a:rPr>
+              <a:t>A1: 	</a:t>
+            </a:r>
+            <a:r>
+              <a:rPr lang="en-US" dirty="0">
+                <a:solidFill>
+                  <a:srgbClr val="FF0000"/>
+                </a:solidFill>
+                <a:latin typeface="Times New Roman" panose="02020603050405020304" pitchFamily="18" charset="0"/>
+                <a:cs typeface="Times New Roman" panose="02020603050405020304" pitchFamily="18" charset="0"/>
+              </a:rPr>
+              <a:t>1.38(±0.22)E-11 </a:t>
+            </a:r>
+            <a:r>
+              <a:rPr lang="en-US" dirty="0">
+                <a:latin typeface="Times New Roman" panose="02020603050405020304" pitchFamily="18" charset="0"/>
+                <a:cs typeface="Times New Roman" panose="02020603050405020304" pitchFamily="18" charset="0"/>
+              </a:rPr>
+              <a:t>	cm</a:t>
+            </a:r>
+            <a:r>
+              <a:rPr lang="en-US" baseline="30000" dirty="0">
+                <a:latin typeface="Times New Roman" panose="02020603050405020304" pitchFamily="18" charset="0"/>
+                <a:cs typeface="Times New Roman" panose="02020603050405020304" pitchFamily="18" charset="0"/>
+              </a:rPr>
+              <a:t>3</a:t>
+            </a:r>
+            <a:r>
+              <a:rPr lang="en-US" dirty="0">
+                <a:latin typeface="Times New Roman" panose="02020603050405020304" pitchFamily="18" charset="0"/>
+                <a:cs typeface="Times New Roman" panose="02020603050405020304" pitchFamily="18" charset="0"/>
+              </a:rPr>
+              <a:t>/molecule/s</a:t>
+            </a:r>
+          </a:p>
+          <a:p>
+            <a:r>
+              <a:rPr lang="en-US" dirty="0">
+                <a:latin typeface="Times New Roman" panose="02020603050405020304" pitchFamily="18" charset="0"/>
+                <a:cs typeface="Times New Roman" panose="02020603050405020304" pitchFamily="18" charset="0"/>
+              </a:rPr>
+              <a:t>E1: 	-4.60(±0.40) 	</a:t>
+            </a:r>
+            <a:r>
+              <a:rPr lang="en-US" dirty="0" err="1">
+                <a:latin typeface="Times New Roman" panose="02020603050405020304" pitchFamily="18" charset="0"/>
+                <a:cs typeface="Times New Roman" panose="02020603050405020304" pitchFamily="18" charset="0"/>
+              </a:rPr>
+              <a:t>kJoule</a:t>
+            </a:r>
+            <a:r>
+              <a:rPr lang="en-US" dirty="0">
+                <a:latin typeface="Times New Roman" panose="02020603050405020304" pitchFamily="18" charset="0"/>
+                <a:cs typeface="Times New Roman" panose="02020603050405020304" pitchFamily="18" charset="0"/>
+              </a:rPr>
+              <a:t>/mol</a:t>
+            </a:r>
+          </a:p>
+          <a:p>
+            <a:r>
+              <a:rPr lang="en-US" dirty="0">
+                <a:latin typeface="Times New Roman" panose="02020603050405020304" pitchFamily="18" charset="0"/>
+                <a:cs typeface="Times New Roman" panose="02020603050405020304" pitchFamily="18" charset="0"/>
+              </a:rPr>
+              <a:t>A2: 	</a:t>
+            </a:r>
+            <a:r>
+              <a:rPr lang="en-US" dirty="0">
+                <a:solidFill>
+                  <a:srgbClr val="FF0000"/>
+                </a:solidFill>
+                <a:latin typeface="Times New Roman" panose="02020603050405020304" pitchFamily="18" charset="0"/>
+                <a:cs typeface="Times New Roman" panose="02020603050405020304" pitchFamily="18" charset="0"/>
+              </a:rPr>
+              <a:t>4.20(±1.50)E-10</a:t>
+            </a:r>
+            <a:r>
+              <a:rPr lang="en-US" dirty="0">
+                <a:latin typeface="Times New Roman" panose="02020603050405020304" pitchFamily="18" charset="0"/>
+                <a:cs typeface="Times New Roman" panose="02020603050405020304" pitchFamily="18" charset="0"/>
+              </a:rPr>
+              <a:t>	cm</a:t>
+            </a:r>
+            <a:r>
+              <a:rPr lang="en-US" baseline="30000" dirty="0">
+                <a:latin typeface="Times New Roman" panose="02020603050405020304" pitchFamily="18" charset="0"/>
+                <a:cs typeface="Times New Roman" panose="02020603050405020304" pitchFamily="18" charset="0"/>
+              </a:rPr>
+              <a:t>3</a:t>
+            </a:r>
+            <a:r>
+              <a:rPr lang="en-US" dirty="0">
+                <a:latin typeface="Times New Roman" panose="02020603050405020304" pitchFamily="18" charset="0"/>
+                <a:cs typeface="Times New Roman" panose="02020603050405020304" pitchFamily="18" charset="0"/>
+              </a:rPr>
+              <a:t>/molecule/s</a:t>
+            </a:r>
+          </a:p>
+          <a:p>
+            <a:r>
+              <a:rPr lang="en-US" dirty="0">
+                <a:latin typeface="Times New Roman" panose="02020603050405020304" pitchFamily="18" charset="0"/>
+                <a:cs typeface="Times New Roman" panose="02020603050405020304" pitchFamily="18" charset="0"/>
+              </a:rPr>
+              <a:t>E2: 	39.00(±7.00) 	</a:t>
+            </a:r>
+            <a:r>
+              <a:rPr lang="en-US" dirty="0" err="1">
+                <a:latin typeface="Times New Roman" panose="02020603050405020304" pitchFamily="18" charset="0"/>
+                <a:cs typeface="Times New Roman" panose="02020603050405020304" pitchFamily="18" charset="0"/>
+              </a:rPr>
+              <a:t>kJoule</a:t>
+            </a:r>
+            <a:r>
+              <a:rPr lang="en-US" dirty="0">
+                <a:latin typeface="Times New Roman" panose="02020603050405020304" pitchFamily="18" charset="0"/>
+                <a:cs typeface="Times New Roman" panose="02020603050405020304" pitchFamily="18" charset="0"/>
+              </a:rPr>
+              <a:t>/mol</a:t>
+            </a:r>
+          </a:p>
+          <a:p>
+            <a:endParaRPr lang="en-US" dirty="0">
+              <a:latin typeface="Times New Roman" panose="02020603050405020304" pitchFamily="18" charset="0"/>
+              <a:cs typeface="Times New Roman" panose="02020603050405020304" pitchFamily="18" charset="0"/>
+            </a:endParaRPr>
+          </a:p>
+        </p:txBody>
+      </p:sp>
+      <p:pic>
+        <p:nvPicPr>
+          <p:cNvPr id="6" name="Picture 5">
+            <a:extLst>
+              <a:ext uri="{FF2B5EF4-FFF2-40B4-BE49-F238E27FC236}">
+                <a16:creationId xmlns:a16="http://schemas.microsoft.com/office/drawing/2014/main" id="{672ADE05-D49F-244C-A00C-A07DEB2068D3}"/>
+              </a:ext>
+            </a:extLst>
+          </p:cNvPr>
+          <p:cNvPicPr>
+            <a:picLocks noChangeAspect="1"/>
+          </p:cNvPicPr>
+          <p:nvPr/>
+        </p:nvPicPr>
+        <p:blipFill>
+          <a:blip r:embed="rId2">
+            <a:extLst>
+              <a:ext uri="{28A0092B-C50C-407E-A947-70E740481C1C}">
+                <a14:useLocalDpi xmlns:a14="http://schemas.microsoft.com/office/drawing/2010/main" val="0"/>
+              </a:ext>
+            </a:extLst>
+          </a:blip>
+          <a:stretch>
+            <a:fillRect/>
+          </a:stretch>
+        </p:blipFill>
+        <p:spPr>
+          <a:xfrm>
+            <a:off x="389454" y="2534917"/>
+            <a:ext cx="5413375" cy="4198938"/>
+          </a:xfrm>
+          <a:prstGeom prst="rect">
+            <a:avLst/>
+          </a:prstGeom>
+        </p:spPr>
+      </p:pic>
+      <p:pic>
+        <p:nvPicPr>
+          <p:cNvPr id="7" name="Picture 6">
+            <a:extLst>
+              <a:ext uri="{FF2B5EF4-FFF2-40B4-BE49-F238E27FC236}">
+                <a16:creationId xmlns:a16="http://schemas.microsoft.com/office/drawing/2014/main" id="{1658D3C3-E395-0246-B44D-CD86ED510CC2}"/>
+              </a:ext>
+            </a:extLst>
+          </p:cNvPr>
+          <p:cNvPicPr>
+            <a:picLocks noChangeAspect="1"/>
+          </p:cNvPicPr>
+          <p:nvPr/>
+        </p:nvPicPr>
+        <p:blipFill>
+          <a:blip r:embed="rId3">
+            <a:extLst>
+              <a:ext uri="{28A0092B-C50C-407E-A947-70E740481C1C}">
+                <a14:useLocalDpi xmlns:a14="http://schemas.microsoft.com/office/drawing/2010/main" val="0"/>
+              </a:ext>
+            </a:extLst>
+          </a:blip>
+          <a:stretch>
+            <a:fillRect/>
+          </a:stretch>
+        </p:blipFill>
+        <p:spPr>
+          <a:xfrm>
+            <a:off x="6381454" y="2535527"/>
+            <a:ext cx="5413375" cy="4198938"/>
+          </a:xfrm>
+          <a:prstGeom prst="rect">
+            <a:avLst/>
+          </a:prstGeom>
+        </p:spPr>
+      </p:pic>
     </p:spTree>
     <p:extLst>
       <p:ext uri="{BB962C8B-B14F-4D97-AF65-F5344CB8AC3E}">
-        <p14:creationId xmlns:p14="http://schemas.microsoft.com/office/powerpoint/2010/main" val="154399475"/>
+        <p14:creationId xmlns:p14="http://schemas.microsoft.com/office/powerpoint/2010/main" val="3684111040"/>
+      </p:ext>
+    </p:extLst>
+  </p:cSld>
+  <p:clrMapOvr>
+    <a:masterClrMapping/>
+  </p:clrMapOvr>
+</p:sld>
+</file>
+
+<file path=ppt/slides/slide8.xml><?xml version="1.0" encoding="utf-8"?>
+<p:sld xmlns:a="http://schemas.openxmlformats.org/drawingml/2006/main" xmlns:r="http://schemas.openxmlformats.org/officeDocument/2006/relationships" xmlns:p="http://schemas.openxmlformats.org/presentationml/2006/main">
+  <p:cSld>
+    <p:spTree>
+      <p:nvGrpSpPr>
+        <p:cNvPr id="1" name=""/>
+        <p:cNvGrpSpPr/>
+        <p:nvPr/>
+      </p:nvGrpSpPr>
+      <p:grpSpPr>
+        <a:xfrm>
+          <a:off x="0" y="0"/>
+          <a:ext cx="0" cy="0"/>
+          <a:chOff x="0" y="0"/>
+          <a:chExt cx="0" cy="0"/>
+        </a:xfrm>
+      </p:grpSpPr>
+      <p:sp>
+        <p:nvSpPr>
+          <p:cNvPr id="2" name="Title 1"/>
+          <p:cNvSpPr>
+            <a:spLocks noGrp="1"/>
+          </p:cNvSpPr>
+          <p:nvPr>
+            <p:ph type="title"/>
+          </p:nvPr>
+        </p:nvSpPr>
+        <p:spPr>
+          <a:xfrm>
+            <a:off x="293225" y="365125"/>
+            <a:ext cx="11605550" cy="905535"/>
+          </a:xfrm>
+        </p:spPr>
+        <p:txBody>
+          <a:bodyPr>
+            <a:normAutofit fontScale="90000"/>
+          </a:bodyPr>
+          <a:lstStyle/>
+          <a:p>
+            <a:pPr algn="ctr"/>
+            <a:r>
+              <a:rPr lang="en-US" dirty="0"/>
+              <a:t>Rate evaluation example: H + O</a:t>
+            </a:r>
+            <a:r>
+              <a:rPr lang="en-US" baseline="-25000" dirty="0"/>
+              <a:t>2</a:t>
+            </a:r>
+            <a:r>
+              <a:rPr lang="en-US" dirty="0"/>
+              <a:t> + M= HO</a:t>
+            </a:r>
+            <a:r>
+              <a:rPr lang="en-US" baseline="-25000" dirty="0"/>
+              <a:t>2</a:t>
+            </a:r>
+            <a:r>
+              <a:rPr lang="en-US" dirty="0"/>
+              <a:t> + M reaction</a:t>
+            </a:r>
+          </a:p>
+        </p:txBody>
+      </p:sp>
+      <p:sp>
+        <p:nvSpPr>
+          <p:cNvPr id="3" name="TextBox 2">
+            <a:extLst>
+              <a:ext uri="{FF2B5EF4-FFF2-40B4-BE49-F238E27FC236}">
+                <a16:creationId xmlns:a16="http://schemas.microsoft.com/office/drawing/2014/main" id="{2E9C9E3C-27DB-4C4A-ABB2-6D1CDBC7253C}"/>
+              </a:ext>
+            </a:extLst>
+          </p:cNvPr>
+          <p:cNvSpPr txBox="1"/>
+          <p:nvPr/>
+        </p:nvSpPr>
+        <p:spPr>
+          <a:xfrm>
+            <a:off x="817944" y="1209122"/>
+            <a:ext cx="10502097" cy="1289071"/>
+          </a:xfrm>
+          <a:prstGeom prst="rect">
+            <a:avLst/>
+          </a:prstGeom>
+          <a:noFill/>
+        </p:spPr>
+        <p:txBody>
+          <a:bodyPr wrap="square" rtlCol="0">
+            <a:spAutoFit/>
+          </a:bodyPr>
+          <a:lstStyle/>
+          <a:p>
+            <a:pPr marL="457200" marR="0" indent="0" algn="l">
+              <a:lnSpc>
+                <a:spcPct val="150000"/>
+              </a:lnSpc>
+              <a:spcBef>
+                <a:spcPts val="0"/>
+              </a:spcBef>
+              <a:spcAft>
+                <a:spcPts val="0"/>
+              </a:spcAft>
+            </a:pPr>
+            <a:r>
+              <a:rPr lang="en-US" sz="1800" dirty="0">
+                <a:effectLst/>
+                <a:latin typeface="Times New Roman" panose="02020603050405020304" pitchFamily="18" charset="0"/>
+                <a:ea typeface="SimSun" panose="02010600030101010101" pitchFamily="2" charset="-122"/>
+              </a:rPr>
+              <a:t>H + O</a:t>
+            </a:r>
+            <a:r>
+              <a:rPr lang="en-US" sz="1800" baseline="-25000" dirty="0">
+                <a:effectLst/>
+                <a:latin typeface="Times New Roman" panose="02020603050405020304" pitchFamily="18" charset="0"/>
+                <a:ea typeface="SimSun" panose="02010600030101010101" pitchFamily="2" charset="-122"/>
+              </a:rPr>
+              <a:t>2</a:t>
+            </a:r>
+            <a:r>
+              <a:rPr lang="en-US" sz="1800" dirty="0">
+                <a:effectLst/>
+                <a:latin typeface="Times New Roman" panose="02020603050405020304" pitchFamily="18" charset="0"/>
+                <a:ea typeface="SimSun" panose="02010600030101010101" pitchFamily="2" charset="-122"/>
+              </a:rPr>
+              <a:t> (+AR) = HO</a:t>
+            </a:r>
+            <a:r>
+              <a:rPr lang="en-US" sz="1800" baseline="-25000" dirty="0">
+                <a:effectLst/>
+                <a:latin typeface="Times New Roman" panose="02020603050405020304" pitchFamily="18" charset="0"/>
+                <a:ea typeface="SimSun" panose="02010600030101010101" pitchFamily="2" charset="-122"/>
+              </a:rPr>
+              <a:t>2</a:t>
+            </a:r>
+            <a:r>
+              <a:rPr lang="en-US" sz="1800" dirty="0">
+                <a:effectLst/>
+                <a:latin typeface="Times New Roman" panose="02020603050405020304" pitchFamily="18" charset="0"/>
+                <a:ea typeface="SimSun" panose="02010600030101010101" pitchFamily="2" charset="-122"/>
+              </a:rPr>
+              <a:t> (+AR)           1.025E+120.604    -241.1			</a:t>
+            </a:r>
+          </a:p>
+          <a:p>
+            <a:pPr marL="457200" marR="0" indent="457200" algn="l">
+              <a:lnSpc>
+                <a:spcPct val="150000"/>
+              </a:lnSpc>
+              <a:spcBef>
+                <a:spcPts val="0"/>
+              </a:spcBef>
+              <a:spcAft>
+                <a:spcPts val="0"/>
+              </a:spcAft>
+            </a:pPr>
+            <a:r>
+              <a:rPr lang="en-US" sz="1800" dirty="0">
+                <a:effectLst/>
+                <a:latin typeface="Times New Roman" panose="02020603050405020304" pitchFamily="18" charset="0"/>
+                <a:ea typeface="SimSun" panose="02010600030101010101" pitchFamily="2" charset="-122"/>
+              </a:rPr>
+              <a:t>LOW 			</a:t>
+            </a:r>
+            <a:r>
+              <a:rPr lang="en-US" sz="1800" dirty="0">
+                <a:solidFill>
+                  <a:srgbClr val="FF0000"/>
+                </a:solidFill>
+                <a:effectLst/>
+                <a:latin typeface="Times New Roman" panose="02020603050405020304" pitchFamily="18" charset="0"/>
+                <a:ea typeface="SimSun" panose="02010600030101010101" pitchFamily="2" charset="-122"/>
+              </a:rPr>
+              <a:t>/2.220 (</a:t>
+            </a:r>
+            <a:r>
+              <a:rPr lang="en-US" dirty="0">
+                <a:solidFill>
+                  <a:srgbClr val="FF0000"/>
+                </a:solidFill>
+                <a:latin typeface="Times New Roman" panose="02020603050405020304" pitchFamily="18" charset="0"/>
+                <a:cs typeface="Times New Roman" panose="02020603050405020304" pitchFamily="18" charset="0"/>
+              </a:rPr>
+              <a:t>±0.420</a:t>
+            </a:r>
+            <a:r>
+              <a:rPr lang="en-US" sz="1800" dirty="0">
+                <a:solidFill>
+                  <a:srgbClr val="FF0000"/>
+                </a:solidFill>
+                <a:effectLst/>
+                <a:latin typeface="Times New Roman" panose="02020603050405020304" pitchFamily="18" charset="0"/>
+                <a:ea typeface="SimSun" panose="02010600030101010101" pitchFamily="2" charset="-122"/>
+              </a:rPr>
+              <a:t>) E+19 -1.309    278.2/</a:t>
+            </a:r>
+          </a:p>
+          <a:p>
+            <a:pPr marL="457200" marR="0" indent="457200" algn="l">
+              <a:lnSpc>
+                <a:spcPct val="150000"/>
+              </a:lnSpc>
+              <a:spcBef>
+                <a:spcPts val="0"/>
+              </a:spcBef>
+              <a:spcAft>
+                <a:spcPts val="0"/>
+              </a:spcAft>
+            </a:pPr>
+            <a:r>
+              <a:rPr lang="en-US" sz="1800" dirty="0">
+                <a:effectLst/>
+                <a:latin typeface="Times New Roman" panose="02020603050405020304" pitchFamily="18" charset="0"/>
+                <a:ea typeface="SimSun" panose="02010600030101010101" pitchFamily="2" charset="-122"/>
+              </a:rPr>
+              <a:t>TROE 			/0.481    1.0E-10    1.0E+30    1.0E+30/</a:t>
+            </a:r>
+            <a:endParaRPr lang="en-US" dirty="0">
+              <a:latin typeface="Times New Roman" panose="02020603050405020304" pitchFamily="18" charset="0"/>
+              <a:cs typeface="Times New Roman" panose="02020603050405020304" pitchFamily="18" charset="0"/>
+            </a:endParaRPr>
+          </a:p>
+        </p:txBody>
+      </p:sp>
+      <p:pic>
+        <p:nvPicPr>
+          <p:cNvPr id="8" name="Picture 7">
+            <a:extLst>
+              <a:ext uri="{FF2B5EF4-FFF2-40B4-BE49-F238E27FC236}">
+                <a16:creationId xmlns:a16="http://schemas.microsoft.com/office/drawing/2014/main" id="{6D217A80-4282-4D09-A8A2-C254FC7606AE}"/>
+              </a:ext>
+            </a:extLst>
+          </p:cNvPr>
+          <p:cNvPicPr/>
+          <p:nvPr/>
+        </p:nvPicPr>
+        <p:blipFill>
+          <a:blip r:embed="rId2">
+            <a:extLst>
+              <a:ext uri="{28A0092B-C50C-407E-A947-70E740481C1C}">
+                <a14:useLocalDpi xmlns:a14="http://schemas.microsoft.com/office/drawing/2010/main" val="0"/>
+              </a:ext>
+            </a:extLst>
+          </a:blip>
+          <a:srcRect/>
+          <a:stretch>
+            <a:fillRect/>
+          </a:stretch>
+        </p:blipFill>
+        <p:spPr bwMode="auto">
+          <a:xfrm>
+            <a:off x="2060294" y="2576829"/>
+            <a:ext cx="6508831" cy="4389200"/>
+          </a:xfrm>
+          <a:prstGeom prst="rect">
+            <a:avLst/>
+          </a:prstGeom>
+          <a:noFill/>
+        </p:spPr>
+      </p:pic>
+    </p:spTree>
+    <p:extLst>
+      <p:ext uri="{BB962C8B-B14F-4D97-AF65-F5344CB8AC3E}">
+        <p14:creationId xmlns:p14="http://schemas.microsoft.com/office/powerpoint/2010/main" val="1064707018"/>
+      </p:ext>
+    </p:extLst>
+  </p:cSld>
+  <p:clrMapOvr>
+    <a:masterClrMapping/>
+  </p:clrMapOvr>
+</p:sld>
+</file>
+
+<file path=ppt/slides/slide9.xml><?xml version="1.0" encoding="utf-8"?>
+<p:sld xmlns:a="http://schemas.openxmlformats.org/drawingml/2006/main" xmlns:r="http://schemas.openxmlformats.org/officeDocument/2006/relationships" xmlns:p="http://schemas.openxmlformats.org/presentationml/2006/main">
+  <p:cSld>
+    <p:spTree>
+      <p:nvGrpSpPr>
+        <p:cNvPr id="1" name=""/>
+        <p:cNvGrpSpPr/>
+        <p:nvPr/>
+      </p:nvGrpSpPr>
+      <p:grpSpPr>
+        <a:xfrm>
+          <a:off x="0" y="0"/>
+          <a:ext cx="0" cy="0"/>
+          <a:chOff x="0" y="0"/>
+          <a:chExt cx="0" cy="0"/>
+        </a:xfrm>
+      </p:grpSpPr>
+      <p:sp>
+        <p:nvSpPr>
+          <p:cNvPr id="2" name="Title 1">
+            <a:extLst>
+              <a:ext uri="{FF2B5EF4-FFF2-40B4-BE49-F238E27FC236}">
+                <a16:creationId xmlns:a16="http://schemas.microsoft.com/office/drawing/2014/main" id="{36D970F7-2E4D-44C4-A03D-27B81573A2C5}"/>
+              </a:ext>
+            </a:extLst>
+          </p:cNvPr>
+          <p:cNvSpPr>
+            <a:spLocks noGrp="1"/>
+          </p:cNvSpPr>
+          <p:nvPr>
+            <p:ph type="title"/>
+          </p:nvPr>
+        </p:nvSpPr>
+        <p:spPr>
+          <a:xfrm>
+            <a:off x="973123" y="365125"/>
+            <a:ext cx="10788241" cy="1325563"/>
+          </a:xfrm>
+        </p:spPr>
+        <p:txBody>
+          <a:bodyPr>
+            <a:normAutofit/>
+          </a:bodyPr>
+          <a:lstStyle/>
+          <a:p>
+            <a:r>
+              <a:rPr lang="en-US" sz="4000" dirty="0"/>
+              <a:t>Use flow reactor data to constrain and optimize kinetics</a:t>
+            </a:r>
+          </a:p>
+        </p:txBody>
+      </p:sp>
+      <p:pic>
+        <p:nvPicPr>
+          <p:cNvPr id="4" name="Picture 3">
+            <a:extLst>
+              <a:ext uri="{FF2B5EF4-FFF2-40B4-BE49-F238E27FC236}">
+                <a16:creationId xmlns:a16="http://schemas.microsoft.com/office/drawing/2014/main" id="{5BC1D0DD-5D85-4196-8366-872AF1E960A1}"/>
+              </a:ext>
+            </a:extLst>
+          </p:cNvPr>
+          <p:cNvPicPr>
+            <a:picLocks noChangeAspect="1"/>
+          </p:cNvPicPr>
+          <p:nvPr/>
+        </p:nvPicPr>
+        <p:blipFill>
+          <a:blip r:embed="rId2">
+            <a:extLst>
+              <a:ext uri="{28A0092B-C50C-407E-A947-70E740481C1C}">
+                <a14:useLocalDpi xmlns:a14="http://schemas.microsoft.com/office/drawing/2010/main" val="0"/>
+              </a:ext>
+            </a:extLst>
+          </a:blip>
+          <a:stretch>
+            <a:fillRect/>
+          </a:stretch>
+        </p:blipFill>
+        <p:spPr>
+          <a:xfrm>
+            <a:off x="0" y="1528318"/>
+            <a:ext cx="6082641" cy="4654658"/>
+          </a:xfrm>
+          <a:prstGeom prst="rect">
+            <a:avLst/>
+          </a:prstGeom>
+        </p:spPr>
+      </p:pic>
+      <p:sp>
+        <p:nvSpPr>
+          <p:cNvPr id="5" name="TextBox 4">
+            <a:extLst>
+              <a:ext uri="{FF2B5EF4-FFF2-40B4-BE49-F238E27FC236}">
+                <a16:creationId xmlns:a16="http://schemas.microsoft.com/office/drawing/2014/main" id="{7990BB38-6E57-4440-8AB6-F694A3E58747}"/>
+              </a:ext>
+            </a:extLst>
+          </p:cNvPr>
+          <p:cNvSpPr txBox="1"/>
+          <p:nvPr/>
+        </p:nvSpPr>
+        <p:spPr>
+          <a:xfrm>
+            <a:off x="5471266" y="1935659"/>
+            <a:ext cx="6290098" cy="3785652"/>
+          </a:xfrm>
+          <a:prstGeom prst="rect">
+            <a:avLst/>
+          </a:prstGeom>
+          <a:noFill/>
+        </p:spPr>
+        <p:txBody>
+          <a:bodyPr wrap="square" rtlCol="0">
+            <a:spAutoFit/>
+          </a:bodyPr>
+          <a:lstStyle/>
+          <a:p>
+            <a:pPr marL="285750" indent="-285750">
+              <a:buFont typeface="Wingdings" panose="05000000000000000000" pitchFamily="2" charset="2"/>
+              <a:buChar char="v"/>
+            </a:pPr>
+            <a:r>
+              <a:rPr lang="en-US" sz="1600" dirty="0"/>
+              <a:t>Flow reactor yields unique targets to constrain kinetics by providing zero dimension in time and one dimension in space vs shock tube zero dimension in space and one dimension in time. Flow reactor condition are generally 800-1000K and 1 -30 bar which fit perfectly in high pressure combustion regime.</a:t>
+            </a:r>
+          </a:p>
+          <a:p>
+            <a:pPr marL="457200" indent="-457200">
+              <a:buFont typeface="Wingdings" panose="05000000000000000000" pitchFamily="2" charset="2"/>
+              <a:buChar char="v"/>
+            </a:pPr>
+            <a:endParaRPr lang="en-US" sz="1600" dirty="0"/>
+          </a:p>
+          <a:p>
+            <a:pPr marL="285750" indent="-285750">
+              <a:buFont typeface="Wingdings" panose="05000000000000000000" pitchFamily="2" charset="2"/>
+              <a:buChar char="v"/>
+            </a:pPr>
+            <a:r>
+              <a:rPr lang="en-US" sz="1600" dirty="0"/>
+              <a:t>Experiment and kinetic modeling of flow reactor experiment always exhibit a shift in the induction period. This is the challenge and draw back for flow reactor.</a:t>
+            </a:r>
+          </a:p>
+          <a:p>
+            <a:pPr marL="457200" indent="-457200">
+              <a:buFont typeface="Wingdings" panose="05000000000000000000" pitchFamily="2" charset="2"/>
+              <a:buChar char="v"/>
+            </a:pPr>
+            <a:endParaRPr lang="en-US" sz="1600" dirty="0"/>
+          </a:p>
+          <a:p>
+            <a:pPr marL="285750" indent="-285750">
+              <a:buFont typeface="Wingdings" panose="05000000000000000000" pitchFamily="2" charset="2"/>
+              <a:buChar char="v"/>
+            </a:pPr>
+            <a:r>
+              <a:rPr lang="en-US" sz="1600" dirty="0"/>
+              <a:t>Gradient in species profile can be directly related to elementary reaction rates, which has been well documented and accepted in the community. In one of the most recent accurate shock tube experiment on H+O2 = O + OH, Hong et al used the gradient in species profile rather than absolute time history profile to derive the rate.</a:t>
+            </a:r>
+          </a:p>
+        </p:txBody>
+      </p:sp>
+      <p:sp>
+        <p:nvSpPr>
+          <p:cNvPr id="6" name="TextBox 5">
+            <a:extLst>
+              <a:ext uri="{FF2B5EF4-FFF2-40B4-BE49-F238E27FC236}">
+                <a16:creationId xmlns:a16="http://schemas.microsoft.com/office/drawing/2014/main" id="{3E4E8614-7BC2-4D81-8C7E-C40582B517EC}"/>
+              </a:ext>
+            </a:extLst>
+          </p:cNvPr>
+          <p:cNvSpPr txBox="1"/>
+          <p:nvPr/>
+        </p:nvSpPr>
+        <p:spPr>
+          <a:xfrm>
+            <a:off x="880484" y="6122045"/>
+            <a:ext cx="10973517" cy="461665"/>
+          </a:xfrm>
+          <a:prstGeom prst="rect">
+            <a:avLst/>
+          </a:prstGeom>
+          <a:noFill/>
+        </p:spPr>
+        <p:txBody>
+          <a:bodyPr wrap="none" rtlCol="0">
+            <a:spAutoFit/>
+          </a:bodyPr>
+          <a:lstStyle/>
+          <a:p>
+            <a:r>
+              <a:rPr lang="en-US" sz="2400" dirty="0">
+                <a:solidFill>
+                  <a:srgbClr val="0000FF"/>
+                </a:solidFill>
+              </a:rPr>
+              <a:t>How to utilize the gradient in species profile acquired in high-fidelity flow reactor data?</a:t>
+            </a:r>
+          </a:p>
+        </p:txBody>
+      </p:sp>
+    </p:spTree>
+    <p:extLst>
+      <p:ext uri="{BB962C8B-B14F-4D97-AF65-F5344CB8AC3E}">
+        <p14:creationId xmlns:p14="http://schemas.microsoft.com/office/powerpoint/2010/main" val="1636550222"/>
       </p:ext>
     </p:extLst>
   </p:cSld>
